--- a/11_rmarkdown/R_markdown.pptx
+++ b/11_rmarkdown/R_markdown.pptx
@@ -21,6 +21,11 @@
     <p:sldId id="266" r:id="rId15"/>
     <p:sldId id="267" r:id="rId16"/>
     <p:sldId id="268" r:id="rId17"/>
+    <p:sldId id="269" r:id="rId18"/>
+    <p:sldId id="270" r:id="rId19"/>
+    <p:sldId id="271" r:id="rId20"/>
+    <p:sldId id="272" r:id="rId21"/>
+    <p:sldId id="273" r:id="rId22"/>
   </p:sldIdLst>
   <p:sldSz cy="10799750" cx="14400200"/>
   <p:notesSz cx="6858000" cy="9144000"/>
@@ -301,7 +306,7 @@
         <p:spPr>
           <a:xfrm>
             <a:off x="685800" y="4343400"/>
-            <a:ext cx="5486399" cy="4114800"/>
+            <a:ext cx="5486400" cy="4114800"/>
           </a:xfrm>
           <a:prstGeom prst="rect">
             <a:avLst/>
@@ -415,7 +420,7 @@
         <p:spPr>
           <a:xfrm>
             <a:off x="685800" y="4343400"/>
-            <a:ext cx="5486399" cy="4114800"/>
+            <a:ext cx="5486400" cy="4114800"/>
           </a:xfrm>
           <a:prstGeom prst="rect">
             <a:avLst/>
@@ -491,7 +496,7 @@
   <p:cSld>
     <p:spTree>
       <p:nvGrpSpPr>
-        <p:cNvPr id="135" name="Shape 135"/>
+        <p:cNvPr id="134" name="Shape 134"/>
         <p:cNvGrpSpPr/>
         <p:nvPr/>
       </p:nvGrpSpPr>
@@ -505,7 +510,7 @@
       </p:grpSpPr>
       <p:sp>
         <p:nvSpPr>
-          <p:cNvPr id="136" name="Shape 136"/>
+          <p:cNvPr id="135" name="Shape 135"/>
           <p:cNvSpPr/>
           <p:nvPr>
             <p:ph idx="2" type="sldImg"/>
@@ -539,7 +544,7 @@
       </p:sp>
       <p:sp>
         <p:nvSpPr>
-          <p:cNvPr id="137" name="Shape 137"/>
+          <p:cNvPr id="136" name="Shape 136"/>
           <p:cNvSpPr txBox="1"/>
           <p:nvPr>
             <p:ph idx="1" type="body"/>
@@ -586,7 +591,7 @@
   <p:cSld>
     <p:spTree>
       <p:nvGrpSpPr>
-        <p:cNvPr id="141" name="Shape 141"/>
+        <p:cNvPr id="140" name="Shape 140"/>
         <p:cNvGrpSpPr/>
         <p:nvPr/>
       </p:nvGrpSpPr>
@@ -600,7 +605,7 @@
       </p:grpSpPr>
       <p:sp>
         <p:nvSpPr>
-          <p:cNvPr id="142" name="Shape 142"/>
+          <p:cNvPr id="141" name="Shape 141"/>
           <p:cNvSpPr/>
           <p:nvPr>
             <p:ph idx="2" type="sldImg"/>
@@ -634,7 +639,7 @@
       </p:sp>
       <p:sp>
         <p:nvSpPr>
-          <p:cNvPr id="143" name="Shape 143"/>
+          <p:cNvPr id="142" name="Shape 142"/>
           <p:cNvSpPr txBox="1"/>
           <p:nvPr>
             <p:ph idx="1" type="body"/>
@@ -681,7 +686,7 @@
   <p:cSld>
     <p:spTree>
       <p:nvGrpSpPr>
-        <p:cNvPr id="147" name="Shape 147"/>
+        <p:cNvPr id="146" name="Shape 146"/>
         <p:cNvGrpSpPr/>
         <p:nvPr/>
       </p:nvGrpSpPr>
@@ -695,7 +700,7 @@
       </p:grpSpPr>
       <p:sp>
         <p:nvSpPr>
-          <p:cNvPr id="148" name="Shape 148"/>
+          <p:cNvPr id="147" name="Shape 147"/>
           <p:cNvSpPr/>
           <p:nvPr>
             <p:ph idx="2" type="sldImg"/>
@@ -729,7 +734,7 @@
       </p:sp>
       <p:sp>
         <p:nvSpPr>
-          <p:cNvPr id="149" name="Shape 149"/>
+          <p:cNvPr id="148" name="Shape 148"/>
           <p:cNvSpPr txBox="1"/>
           <p:nvPr>
             <p:ph idx="1" type="body"/>
@@ -776,7 +781,7 @@
   <p:cSld>
     <p:spTree>
       <p:nvGrpSpPr>
-        <p:cNvPr id="153" name="Shape 153"/>
+        <p:cNvPr id="152" name="Shape 152"/>
         <p:cNvGrpSpPr/>
         <p:nvPr/>
       </p:nvGrpSpPr>
@@ -790,7 +795,7 @@
       </p:grpSpPr>
       <p:sp>
         <p:nvSpPr>
-          <p:cNvPr id="154" name="Shape 154"/>
+          <p:cNvPr id="153" name="Shape 153"/>
           <p:cNvSpPr/>
           <p:nvPr>
             <p:ph idx="2" type="sldImg"/>
@@ -824,7 +829,7 @@
       </p:sp>
       <p:sp>
         <p:nvSpPr>
-          <p:cNvPr id="155" name="Shape 155"/>
+          <p:cNvPr id="154" name="Shape 154"/>
           <p:cNvSpPr txBox="1"/>
           <p:nvPr>
             <p:ph idx="1" type="body"/>
@@ -866,12 +871,12 @@
 </p:notes>
 </file>
 
-<file path=ppt/notesSlides/notesSlide2.xml><?xml version="1.0" encoding="utf-8"?>
+<file path=ppt/notesSlides/notesSlide14.xml><?xml version="1.0" encoding="utf-8"?>
 <p:notes xmlns:a="http://schemas.openxmlformats.org/drawingml/2006/main" xmlns:r="http://schemas.openxmlformats.org/officeDocument/2006/relationships" xmlns:mc="http://schemas.openxmlformats.org/markup-compatibility/2006" xmlns:mv="urn:schemas-microsoft-com:mac:vml" xmlns:p="http://schemas.openxmlformats.org/presentationml/2006/main" xmlns:c="http://schemas.openxmlformats.org/drawingml/2006/chart" xmlns:dgm="http://schemas.openxmlformats.org/drawingml/2006/diagram" xmlns:o="urn:schemas-microsoft-com:office:office" xmlns:v="urn:schemas-microsoft-com:vml" xmlns:pvml="urn:schemas-microsoft-com:office:powerpoint" xmlns:com="http://schemas.openxmlformats.org/drawingml/2006/compatibility" xmlns:p14="http://schemas.microsoft.com/office/powerpoint/2010/main" xmlns:p15="http://schemas.microsoft.com/office/powerpoint/2012/main" showMasterPhAnim="0" showMasterSp="0">
   <p:cSld>
     <p:spTree>
       <p:nvGrpSpPr>
-        <p:cNvPr id="87" name="Shape 87"/>
+        <p:cNvPr id="158" name="Shape 158"/>
         <p:cNvGrpSpPr/>
         <p:nvPr/>
       </p:nvGrpSpPr>
@@ -885,7 +890,7 @@
       </p:grpSpPr>
       <p:sp>
         <p:nvSpPr>
-          <p:cNvPr id="88" name="Shape 88"/>
+          <p:cNvPr id="159" name="Shape 159"/>
           <p:cNvSpPr/>
           <p:nvPr>
             <p:ph idx="2" type="sldImg"/>
@@ -919,7 +924,7 @@
       </p:sp>
       <p:sp>
         <p:nvSpPr>
-          <p:cNvPr id="89" name="Shape 89"/>
+          <p:cNvPr id="160" name="Shape 160"/>
           <p:cNvSpPr txBox="1"/>
           <p:nvPr>
             <p:ph idx="1" type="body"/>
@@ -961,12 +966,12 @@
 </p:notes>
 </file>
 
-<file path=ppt/notesSlides/notesSlide3.xml><?xml version="1.0" encoding="utf-8"?>
+<file path=ppt/notesSlides/notesSlide15.xml><?xml version="1.0" encoding="utf-8"?>
 <p:notes xmlns:a="http://schemas.openxmlformats.org/drawingml/2006/main" xmlns:r="http://schemas.openxmlformats.org/officeDocument/2006/relationships" xmlns:mc="http://schemas.openxmlformats.org/markup-compatibility/2006" xmlns:mv="urn:schemas-microsoft-com:mac:vml" xmlns:p="http://schemas.openxmlformats.org/presentationml/2006/main" xmlns:c="http://schemas.openxmlformats.org/drawingml/2006/chart" xmlns:dgm="http://schemas.openxmlformats.org/drawingml/2006/diagram" xmlns:o="urn:schemas-microsoft-com:office:office" xmlns:v="urn:schemas-microsoft-com:vml" xmlns:pvml="urn:schemas-microsoft-com:office:powerpoint" xmlns:com="http://schemas.openxmlformats.org/drawingml/2006/compatibility" xmlns:p14="http://schemas.microsoft.com/office/powerpoint/2010/main" xmlns:p15="http://schemas.microsoft.com/office/powerpoint/2012/main" showMasterPhAnim="0" showMasterSp="0">
   <p:cSld>
     <p:spTree>
       <p:nvGrpSpPr>
-        <p:cNvPr id="93" name="Shape 93"/>
+        <p:cNvPr id="164" name="Shape 164"/>
         <p:cNvGrpSpPr/>
         <p:nvPr/>
       </p:nvGrpSpPr>
@@ -980,7 +985,7 @@
       </p:grpSpPr>
       <p:sp>
         <p:nvSpPr>
-          <p:cNvPr id="94" name="Shape 94"/>
+          <p:cNvPr id="165" name="Shape 165"/>
           <p:cNvSpPr/>
           <p:nvPr>
             <p:ph idx="2" type="sldImg"/>
@@ -1014,7 +1019,7 @@
       </p:sp>
       <p:sp>
         <p:nvSpPr>
-          <p:cNvPr id="95" name="Shape 95"/>
+          <p:cNvPr id="166" name="Shape 166"/>
           <p:cNvSpPr txBox="1"/>
           <p:nvPr>
             <p:ph idx="1" type="body"/>
@@ -1056,12 +1061,12 @@
 </p:notes>
 </file>
 
-<file path=ppt/notesSlides/notesSlide4.xml><?xml version="1.0" encoding="utf-8"?>
+<file path=ppt/notesSlides/notesSlide16.xml><?xml version="1.0" encoding="utf-8"?>
 <p:notes xmlns:a="http://schemas.openxmlformats.org/drawingml/2006/main" xmlns:r="http://schemas.openxmlformats.org/officeDocument/2006/relationships" xmlns:mc="http://schemas.openxmlformats.org/markup-compatibility/2006" xmlns:mv="urn:schemas-microsoft-com:mac:vml" xmlns:p="http://schemas.openxmlformats.org/presentationml/2006/main" xmlns:c="http://schemas.openxmlformats.org/drawingml/2006/chart" xmlns:dgm="http://schemas.openxmlformats.org/drawingml/2006/diagram" xmlns:o="urn:schemas-microsoft-com:office:office" xmlns:v="urn:schemas-microsoft-com:vml" xmlns:pvml="urn:schemas-microsoft-com:office:powerpoint" xmlns:com="http://schemas.openxmlformats.org/drawingml/2006/compatibility" xmlns:p14="http://schemas.microsoft.com/office/powerpoint/2010/main" xmlns:p15="http://schemas.microsoft.com/office/powerpoint/2012/main" showMasterPhAnim="0" showMasterSp="0">
   <p:cSld>
     <p:spTree>
       <p:nvGrpSpPr>
-        <p:cNvPr id="99" name="Shape 99"/>
+        <p:cNvPr id="170" name="Shape 170"/>
         <p:cNvGrpSpPr/>
         <p:nvPr/>
       </p:nvGrpSpPr>
@@ -1075,7 +1080,7 @@
       </p:grpSpPr>
       <p:sp>
         <p:nvSpPr>
-          <p:cNvPr id="100" name="Shape 100"/>
+          <p:cNvPr id="171" name="Shape 171"/>
           <p:cNvSpPr/>
           <p:nvPr>
             <p:ph idx="2" type="sldImg"/>
@@ -1109,7 +1114,7 @@
       </p:sp>
       <p:sp>
         <p:nvSpPr>
-          <p:cNvPr id="101" name="Shape 101"/>
+          <p:cNvPr id="172" name="Shape 172"/>
           <p:cNvSpPr txBox="1"/>
           <p:nvPr>
             <p:ph idx="1" type="body"/>
@@ -1151,12 +1156,12 @@
 </p:notes>
 </file>
 
-<file path=ppt/notesSlides/notesSlide5.xml><?xml version="1.0" encoding="utf-8"?>
+<file path=ppt/notesSlides/notesSlide17.xml><?xml version="1.0" encoding="utf-8"?>
 <p:notes xmlns:a="http://schemas.openxmlformats.org/drawingml/2006/main" xmlns:r="http://schemas.openxmlformats.org/officeDocument/2006/relationships" xmlns:mc="http://schemas.openxmlformats.org/markup-compatibility/2006" xmlns:mv="urn:schemas-microsoft-com:mac:vml" xmlns:p="http://schemas.openxmlformats.org/presentationml/2006/main" xmlns:c="http://schemas.openxmlformats.org/drawingml/2006/chart" xmlns:dgm="http://schemas.openxmlformats.org/drawingml/2006/diagram" xmlns:o="urn:schemas-microsoft-com:office:office" xmlns:v="urn:schemas-microsoft-com:vml" xmlns:pvml="urn:schemas-microsoft-com:office:powerpoint" xmlns:com="http://schemas.openxmlformats.org/drawingml/2006/compatibility" xmlns:p14="http://schemas.microsoft.com/office/powerpoint/2010/main" xmlns:p15="http://schemas.microsoft.com/office/powerpoint/2012/main" showMasterPhAnim="0" showMasterSp="0">
   <p:cSld>
     <p:spTree>
       <p:nvGrpSpPr>
-        <p:cNvPr id="105" name="Shape 105"/>
+        <p:cNvPr id="176" name="Shape 176"/>
         <p:cNvGrpSpPr/>
         <p:nvPr/>
       </p:nvGrpSpPr>
@@ -1170,7 +1175,7 @@
       </p:grpSpPr>
       <p:sp>
         <p:nvSpPr>
-          <p:cNvPr id="106" name="Shape 106"/>
+          <p:cNvPr id="177" name="Shape 177"/>
           <p:cNvSpPr/>
           <p:nvPr>
             <p:ph idx="2" type="sldImg"/>
@@ -1204,7 +1209,7 @@
       </p:sp>
       <p:sp>
         <p:nvSpPr>
-          <p:cNvPr id="107" name="Shape 107"/>
+          <p:cNvPr id="178" name="Shape 178"/>
           <p:cNvSpPr txBox="1"/>
           <p:nvPr>
             <p:ph idx="1" type="body"/>
@@ -1246,12 +1251,12 @@
 </p:notes>
 </file>
 
-<file path=ppt/notesSlides/notesSlide6.xml><?xml version="1.0" encoding="utf-8"?>
+<file path=ppt/notesSlides/notesSlide18.xml><?xml version="1.0" encoding="utf-8"?>
 <p:notes xmlns:a="http://schemas.openxmlformats.org/drawingml/2006/main" xmlns:r="http://schemas.openxmlformats.org/officeDocument/2006/relationships" xmlns:mc="http://schemas.openxmlformats.org/markup-compatibility/2006" xmlns:mv="urn:schemas-microsoft-com:mac:vml" xmlns:p="http://schemas.openxmlformats.org/presentationml/2006/main" xmlns:c="http://schemas.openxmlformats.org/drawingml/2006/chart" xmlns:dgm="http://schemas.openxmlformats.org/drawingml/2006/diagram" xmlns:o="urn:schemas-microsoft-com:office:office" xmlns:v="urn:schemas-microsoft-com:vml" xmlns:pvml="urn:schemas-microsoft-com:office:powerpoint" xmlns:com="http://schemas.openxmlformats.org/drawingml/2006/compatibility" xmlns:p14="http://schemas.microsoft.com/office/powerpoint/2010/main" xmlns:p15="http://schemas.microsoft.com/office/powerpoint/2012/main" showMasterPhAnim="0" showMasterSp="0">
   <p:cSld>
     <p:spTree>
       <p:nvGrpSpPr>
-        <p:cNvPr id="111" name="Shape 111"/>
+        <p:cNvPr id="182" name="Shape 182"/>
         <p:cNvGrpSpPr/>
         <p:nvPr/>
       </p:nvGrpSpPr>
@@ -1265,7 +1270,7 @@
       </p:grpSpPr>
       <p:sp>
         <p:nvSpPr>
-          <p:cNvPr id="112" name="Shape 112"/>
+          <p:cNvPr id="183" name="Shape 183"/>
           <p:cNvSpPr/>
           <p:nvPr>
             <p:ph idx="2" type="sldImg"/>
@@ -1299,7 +1304,7 @@
       </p:sp>
       <p:sp>
         <p:nvSpPr>
-          <p:cNvPr id="113" name="Shape 113"/>
+          <p:cNvPr id="184" name="Shape 184"/>
           <p:cNvSpPr txBox="1"/>
           <p:nvPr>
             <p:ph idx="1" type="body"/>
@@ -1341,12 +1346,12 @@
 </p:notes>
 </file>
 
-<file path=ppt/notesSlides/notesSlide7.xml><?xml version="1.0" encoding="utf-8"?>
+<file path=ppt/notesSlides/notesSlide2.xml><?xml version="1.0" encoding="utf-8"?>
 <p:notes xmlns:a="http://schemas.openxmlformats.org/drawingml/2006/main" xmlns:r="http://schemas.openxmlformats.org/officeDocument/2006/relationships" xmlns:mc="http://schemas.openxmlformats.org/markup-compatibility/2006" xmlns:mv="urn:schemas-microsoft-com:mac:vml" xmlns:p="http://schemas.openxmlformats.org/presentationml/2006/main" xmlns:c="http://schemas.openxmlformats.org/drawingml/2006/chart" xmlns:dgm="http://schemas.openxmlformats.org/drawingml/2006/diagram" xmlns:o="urn:schemas-microsoft-com:office:office" xmlns:v="urn:schemas-microsoft-com:vml" xmlns:pvml="urn:schemas-microsoft-com:office:powerpoint" xmlns:com="http://schemas.openxmlformats.org/drawingml/2006/compatibility" xmlns:p14="http://schemas.microsoft.com/office/powerpoint/2010/main" xmlns:p15="http://schemas.microsoft.com/office/powerpoint/2012/main" showMasterPhAnim="0" showMasterSp="0">
   <p:cSld>
     <p:spTree>
       <p:nvGrpSpPr>
-        <p:cNvPr id="117" name="Shape 117"/>
+        <p:cNvPr id="86" name="Shape 86"/>
         <p:cNvGrpSpPr/>
         <p:nvPr/>
       </p:nvGrpSpPr>
@@ -1360,7 +1365,7 @@
       </p:grpSpPr>
       <p:sp>
         <p:nvSpPr>
-          <p:cNvPr id="118" name="Shape 118"/>
+          <p:cNvPr id="87" name="Shape 87"/>
           <p:cNvSpPr/>
           <p:nvPr>
             <p:ph idx="2" type="sldImg"/>
@@ -1394,7 +1399,7 @@
       </p:sp>
       <p:sp>
         <p:nvSpPr>
-          <p:cNvPr id="119" name="Shape 119"/>
+          <p:cNvPr id="88" name="Shape 88"/>
           <p:cNvSpPr txBox="1"/>
           <p:nvPr>
             <p:ph idx="1" type="body"/>
@@ -1436,12 +1441,12 @@
 </p:notes>
 </file>
 
-<file path=ppt/notesSlides/notesSlide8.xml><?xml version="1.0" encoding="utf-8"?>
+<file path=ppt/notesSlides/notesSlide3.xml><?xml version="1.0" encoding="utf-8"?>
 <p:notes xmlns:a="http://schemas.openxmlformats.org/drawingml/2006/main" xmlns:r="http://schemas.openxmlformats.org/officeDocument/2006/relationships" xmlns:mc="http://schemas.openxmlformats.org/markup-compatibility/2006" xmlns:mv="urn:schemas-microsoft-com:mac:vml" xmlns:p="http://schemas.openxmlformats.org/presentationml/2006/main" xmlns:c="http://schemas.openxmlformats.org/drawingml/2006/chart" xmlns:dgm="http://schemas.openxmlformats.org/drawingml/2006/diagram" xmlns:o="urn:schemas-microsoft-com:office:office" xmlns:v="urn:schemas-microsoft-com:vml" xmlns:pvml="urn:schemas-microsoft-com:office:powerpoint" xmlns:com="http://schemas.openxmlformats.org/drawingml/2006/compatibility" xmlns:p14="http://schemas.microsoft.com/office/powerpoint/2010/main" xmlns:p15="http://schemas.microsoft.com/office/powerpoint/2012/main" showMasterPhAnim="0" showMasterSp="0">
   <p:cSld>
     <p:spTree>
       <p:nvGrpSpPr>
-        <p:cNvPr id="123" name="Shape 123"/>
+        <p:cNvPr id="92" name="Shape 92"/>
         <p:cNvGrpSpPr/>
         <p:nvPr/>
       </p:nvGrpSpPr>
@@ -1455,7 +1460,7 @@
       </p:grpSpPr>
       <p:sp>
         <p:nvSpPr>
-          <p:cNvPr id="124" name="Shape 124"/>
+          <p:cNvPr id="93" name="Shape 93"/>
           <p:cNvSpPr/>
           <p:nvPr>
             <p:ph idx="2" type="sldImg"/>
@@ -1489,7 +1494,7 @@
       </p:sp>
       <p:sp>
         <p:nvSpPr>
-          <p:cNvPr id="125" name="Shape 125"/>
+          <p:cNvPr id="94" name="Shape 94"/>
           <p:cNvSpPr txBox="1"/>
           <p:nvPr>
             <p:ph idx="1" type="body"/>
@@ -1531,12 +1536,12 @@
 </p:notes>
 </file>
 
-<file path=ppt/notesSlides/notesSlide9.xml><?xml version="1.0" encoding="utf-8"?>
+<file path=ppt/notesSlides/notesSlide4.xml><?xml version="1.0" encoding="utf-8"?>
 <p:notes xmlns:a="http://schemas.openxmlformats.org/drawingml/2006/main" xmlns:r="http://schemas.openxmlformats.org/officeDocument/2006/relationships" xmlns:mc="http://schemas.openxmlformats.org/markup-compatibility/2006" xmlns:mv="urn:schemas-microsoft-com:mac:vml" xmlns:p="http://schemas.openxmlformats.org/presentationml/2006/main" xmlns:c="http://schemas.openxmlformats.org/drawingml/2006/chart" xmlns:dgm="http://schemas.openxmlformats.org/drawingml/2006/diagram" xmlns:o="urn:schemas-microsoft-com:office:office" xmlns:v="urn:schemas-microsoft-com:vml" xmlns:pvml="urn:schemas-microsoft-com:office:powerpoint" xmlns:com="http://schemas.openxmlformats.org/drawingml/2006/compatibility" xmlns:p14="http://schemas.microsoft.com/office/powerpoint/2010/main" xmlns:p15="http://schemas.microsoft.com/office/powerpoint/2012/main" showMasterPhAnim="0" showMasterSp="0">
   <p:cSld>
     <p:spTree>
       <p:nvGrpSpPr>
-        <p:cNvPr id="129" name="Shape 129"/>
+        <p:cNvPr id="98" name="Shape 98"/>
         <p:cNvGrpSpPr/>
         <p:nvPr/>
       </p:nvGrpSpPr>
@@ -1550,7 +1555,7 @@
       </p:grpSpPr>
       <p:sp>
         <p:nvSpPr>
-          <p:cNvPr id="130" name="Shape 130"/>
+          <p:cNvPr id="99" name="Shape 99"/>
           <p:cNvSpPr/>
           <p:nvPr>
             <p:ph idx="2" type="sldImg"/>
@@ -1584,7 +1589,482 @@
       </p:sp>
       <p:sp>
         <p:nvSpPr>
-          <p:cNvPr id="131" name="Shape 131"/>
+          <p:cNvPr id="100" name="Shape 100"/>
+          <p:cNvSpPr txBox="1"/>
+          <p:nvPr>
+            <p:ph idx="1" type="body"/>
+          </p:nvPr>
+        </p:nvSpPr>
+        <p:spPr>
+          <a:xfrm>
+            <a:off x="685800" y="4343400"/>
+            <a:ext cx="5486400" cy="4114800"/>
+          </a:xfrm>
+          <a:prstGeom prst="rect">
+            <a:avLst/>
+          </a:prstGeom>
+        </p:spPr>
+        <p:txBody>
+          <a:bodyPr anchorCtr="0" anchor="t" bIns="91425" lIns="91425" rIns="91425" wrap="square" tIns="91425">
+            <a:noAutofit/>
+          </a:bodyPr>
+          <a:lstStyle/>
+          <a:p>
+            <a:pPr lvl="0">
+              <a:spcBef>
+                <a:spcPts val="0"/>
+              </a:spcBef>
+              <a:buNone/>
+            </a:pPr>
+            <a:r>
+              <a:t/>
+            </a:r>
+            <a:endParaRPr/>
+          </a:p>
+        </p:txBody>
+      </p:sp>
+    </p:spTree>
+  </p:cSld>
+  <p:clrMapOvr>
+    <a:masterClrMapping/>
+  </p:clrMapOvr>
+</p:notes>
+</file>
+
+<file path=ppt/notesSlides/notesSlide5.xml><?xml version="1.0" encoding="utf-8"?>
+<p:notes xmlns:a="http://schemas.openxmlformats.org/drawingml/2006/main" xmlns:r="http://schemas.openxmlformats.org/officeDocument/2006/relationships" xmlns:mc="http://schemas.openxmlformats.org/markup-compatibility/2006" xmlns:mv="urn:schemas-microsoft-com:mac:vml" xmlns:p="http://schemas.openxmlformats.org/presentationml/2006/main" xmlns:c="http://schemas.openxmlformats.org/drawingml/2006/chart" xmlns:dgm="http://schemas.openxmlformats.org/drawingml/2006/diagram" xmlns:o="urn:schemas-microsoft-com:office:office" xmlns:v="urn:schemas-microsoft-com:vml" xmlns:pvml="urn:schemas-microsoft-com:office:powerpoint" xmlns:com="http://schemas.openxmlformats.org/drawingml/2006/compatibility" xmlns:p14="http://schemas.microsoft.com/office/powerpoint/2010/main" xmlns:p15="http://schemas.microsoft.com/office/powerpoint/2012/main" showMasterPhAnim="0" showMasterSp="0">
+  <p:cSld>
+    <p:spTree>
+      <p:nvGrpSpPr>
+        <p:cNvPr id="104" name="Shape 104"/>
+        <p:cNvGrpSpPr/>
+        <p:nvPr/>
+      </p:nvGrpSpPr>
+      <p:grpSpPr>
+        <a:xfrm>
+          <a:off x="0" y="0"/>
+          <a:ext cx="0" cy="0"/>
+          <a:chOff x="0" y="0"/>
+          <a:chExt cx="0" cy="0"/>
+        </a:xfrm>
+      </p:grpSpPr>
+      <p:sp>
+        <p:nvSpPr>
+          <p:cNvPr id="105" name="Shape 105"/>
+          <p:cNvSpPr/>
+          <p:nvPr>
+            <p:ph idx="2" type="sldImg"/>
+          </p:nvPr>
+        </p:nvSpPr>
+        <p:spPr>
+          <a:xfrm>
+            <a:off x="1143225" y="685800"/>
+            <a:ext cx="4572300" cy="3429000"/>
+          </a:xfrm>
+          <a:custGeom>
+            <a:pathLst>
+              <a:path extrusionOk="0" h="120000" w="120000">
+                <a:moveTo>
+                  <a:pt x="0" y="0"/>
+                </a:moveTo>
+                <a:lnTo>
+                  <a:pt x="120000" y="0"/>
+                </a:lnTo>
+                <a:lnTo>
+                  <a:pt x="120000" y="120000"/>
+                </a:lnTo>
+                <a:lnTo>
+                  <a:pt x="0" y="120000"/>
+                </a:lnTo>
+                <a:close/>
+              </a:path>
+            </a:pathLst>
+          </a:custGeom>
+        </p:spPr>
+      </p:sp>
+      <p:sp>
+        <p:nvSpPr>
+          <p:cNvPr id="106" name="Shape 106"/>
+          <p:cNvSpPr txBox="1"/>
+          <p:nvPr>
+            <p:ph idx="1" type="body"/>
+          </p:nvPr>
+        </p:nvSpPr>
+        <p:spPr>
+          <a:xfrm>
+            <a:off x="685800" y="4343400"/>
+            <a:ext cx="5486400" cy="4114800"/>
+          </a:xfrm>
+          <a:prstGeom prst="rect">
+            <a:avLst/>
+          </a:prstGeom>
+        </p:spPr>
+        <p:txBody>
+          <a:bodyPr anchorCtr="0" anchor="t" bIns="91425" lIns="91425" rIns="91425" wrap="square" tIns="91425">
+            <a:noAutofit/>
+          </a:bodyPr>
+          <a:lstStyle/>
+          <a:p>
+            <a:pPr lvl="0">
+              <a:spcBef>
+                <a:spcPts val="0"/>
+              </a:spcBef>
+              <a:buNone/>
+            </a:pPr>
+            <a:r>
+              <a:t/>
+            </a:r>
+            <a:endParaRPr/>
+          </a:p>
+        </p:txBody>
+      </p:sp>
+    </p:spTree>
+  </p:cSld>
+  <p:clrMapOvr>
+    <a:masterClrMapping/>
+  </p:clrMapOvr>
+</p:notes>
+</file>
+
+<file path=ppt/notesSlides/notesSlide6.xml><?xml version="1.0" encoding="utf-8"?>
+<p:notes xmlns:a="http://schemas.openxmlformats.org/drawingml/2006/main" xmlns:r="http://schemas.openxmlformats.org/officeDocument/2006/relationships" xmlns:mc="http://schemas.openxmlformats.org/markup-compatibility/2006" xmlns:mv="urn:schemas-microsoft-com:mac:vml" xmlns:p="http://schemas.openxmlformats.org/presentationml/2006/main" xmlns:c="http://schemas.openxmlformats.org/drawingml/2006/chart" xmlns:dgm="http://schemas.openxmlformats.org/drawingml/2006/diagram" xmlns:o="urn:schemas-microsoft-com:office:office" xmlns:v="urn:schemas-microsoft-com:vml" xmlns:pvml="urn:schemas-microsoft-com:office:powerpoint" xmlns:com="http://schemas.openxmlformats.org/drawingml/2006/compatibility" xmlns:p14="http://schemas.microsoft.com/office/powerpoint/2010/main" xmlns:p15="http://schemas.microsoft.com/office/powerpoint/2012/main" showMasterPhAnim="0" showMasterSp="0">
+  <p:cSld>
+    <p:spTree>
+      <p:nvGrpSpPr>
+        <p:cNvPr id="110" name="Shape 110"/>
+        <p:cNvGrpSpPr/>
+        <p:nvPr/>
+      </p:nvGrpSpPr>
+      <p:grpSpPr>
+        <a:xfrm>
+          <a:off x="0" y="0"/>
+          <a:ext cx="0" cy="0"/>
+          <a:chOff x="0" y="0"/>
+          <a:chExt cx="0" cy="0"/>
+        </a:xfrm>
+      </p:grpSpPr>
+      <p:sp>
+        <p:nvSpPr>
+          <p:cNvPr id="111" name="Shape 111"/>
+          <p:cNvSpPr/>
+          <p:nvPr>
+            <p:ph idx="2" type="sldImg"/>
+          </p:nvPr>
+        </p:nvSpPr>
+        <p:spPr>
+          <a:xfrm>
+            <a:off x="1143225" y="685800"/>
+            <a:ext cx="4572300" cy="3429000"/>
+          </a:xfrm>
+          <a:custGeom>
+            <a:pathLst>
+              <a:path extrusionOk="0" h="120000" w="120000">
+                <a:moveTo>
+                  <a:pt x="0" y="0"/>
+                </a:moveTo>
+                <a:lnTo>
+                  <a:pt x="120000" y="0"/>
+                </a:lnTo>
+                <a:lnTo>
+                  <a:pt x="120000" y="120000"/>
+                </a:lnTo>
+                <a:lnTo>
+                  <a:pt x="0" y="120000"/>
+                </a:lnTo>
+                <a:close/>
+              </a:path>
+            </a:pathLst>
+          </a:custGeom>
+        </p:spPr>
+      </p:sp>
+      <p:sp>
+        <p:nvSpPr>
+          <p:cNvPr id="112" name="Shape 112"/>
+          <p:cNvSpPr txBox="1"/>
+          <p:nvPr>
+            <p:ph idx="1" type="body"/>
+          </p:nvPr>
+        </p:nvSpPr>
+        <p:spPr>
+          <a:xfrm>
+            <a:off x="685800" y="4343400"/>
+            <a:ext cx="5486400" cy="4114800"/>
+          </a:xfrm>
+          <a:prstGeom prst="rect">
+            <a:avLst/>
+          </a:prstGeom>
+        </p:spPr>
+        <p:txBody>
+          <a:bodyPr anchorCtr="0" anchor="t" bIns="91425" lIns="91425" rIns="91425" wrap="square" tIns="91425">
+            <a:noAutofit/>
+          </a:bodyPr>
+          <a:lstStyle/>
+          <a:p>
+            <a:pPr lvl="0">
+              <a:spcBef>
+                <a:spcPts val="0"/>
+              </a:spcBef>
+              <a:buNone/>
+            </a:pPr>
+            <a:r>
+              <a:t/>
+            </a:r>
+            <a:endParaRPr/>
+          </a:p>
+        </p:txBody>
+      </p:sp>
+    </p:spTree>
+  </p:cSld>
+  <p:clrMapOvr>
+    <a:masterClrMapping/>
+  </p:clrMapOvr>
+</p:notes>
+</file>
+
+<file path=ppt/notesSlides/notesSlide7.xml><?xml version="1.0" encoding="utf-8"?>
+<p:notes xmlns:a="http://schemas.openxmlformats.org/drawingml/2006/main" xmlns:r="http://schemas.openxmlformats.org/officeDocument/2006/relationships" xmlns:mc="http://schemas.openxmlformats.org/markup-compatibility/2006" xmlns:mv="urn:schemas-microsoft-com:mac:vml" xmlns:p="http://schemas.openxmlformats.org/presentationml/2006/main" xmlns:c="http://schemas.openxmlformats.org/drawingml/2006/chart" xmlns:dgm="http://schemas.openxmlformats.org/drawingml/2006/diagram" xmlns:o="urn:schemas-microsoft-com:office:office" xmlns:v="urn:schemas-microsoft-com:vml" xmlns:pvml="urn:schemas-microsoft-com:office:powerpoint" xmlns:com="http://schemas.openxmlformats.org/drawingml/2006/compatibility" xmlns:p14="http://schemas.microsoft.com/office/powerpoint/2010/main" xmlns:p15="http://schemas.microsoft.com/office/powerpoint/2012/main" showMasterPhAnim="0" showMasterSp="0">
+  <p:cSld>
+    <p:spTree>
+      <p:nvGrpSpPr>
+        <p:cNvPr id="116" name="Shape 116"/>
+        <p:cNvGrpSpPr/>
+        <p:nvPr/>
+      </p:nvGrpSpPr>
+      <p:grpSpPr>
+        <a:xfrm>
+          <a:off x="0" y="0"/>
+          <a:ext cx="0" cy="0"/>
+          <a:chOff x="0" y="0"/>
+          <a:chExt cx="0" cy="0"/>
+        </a:xfrm>
+      </p:grpSpPr>
+      <p:sp>
+        <p:nvSpPr>
+          <p:cNvPr id="117" name="Shape 117"/>
+          <p:cNvSpPr/>
+          <p:nvPr>
+            <p:ph idx="2" type="sldImg"/>
+          </p:nvPr>
+        </p:nvSpPr>
+        <p:spPr>
+          <a:xfrm>
+            <a:off x="1143225" y="685800"/>
+            <a:ext cx="4572300" cy="3429000"/>
+          </a:xfrm>
+          <a:custGeom>
+            <a:pathLst>
+              <a:path extrusionOk="0" h="120000" w="120000">
+                <a:moveTo>
+                  <a:pt x="0" y="0"/>
+                </a:moveTo>
+                <a:lnTo>
+                  <a:pt x="120000" y="0"/>
+                </a:lnTo>
+                <a:lnTo>
+                  <a:pt x="120000" y="120000"/>
+                </a:lnTo>
+                <a:lnTo>
+                  <a:pt x="0" y="120000"/>
+                </a:lnTo>
+                <a:close/>
+              </a:path>
+            </a:pathLst>
+          </a:custGeom>
+        </p:spPr>
+      </p:sp>
+      <p:sp>
+        <p:nvSpPr>
+          <p:cNvPr id="118" name="Shape 118"/>
+          <p:cNvSpPr txBox="1"/>
+          <p:nvPr>
+            <p:ph idx="1" type="body"/>
+          </p:nvPr>
+        </p:nvSpPr>
+        <p:spPr>
+          <a:xfrm>
+            <a:off x="685800" y="4343400"/>
+            <a:ext cx="5486400" cy="4114800"/>
+          </a:xfrm>
+          <a:prstGeom prst="rect">
+            <a:avLst/>
+          </a:prstGeom>
+        </p:spPr>
+        <p:txBody>
+          <a:bodyPr anchorCtr="0" anchor="t" bIns="91425" lIns="91425" rIns="91425" wrap="square" tIns="91425">
+            <a:noAutofit/>
+          </a:bodyPr>
+          <a:lstStyle/>
+          <a:p>
+            <a:pPr lvl="0">
+              <a:spcBef>
+                <a:spcPts val="0"/>
+              </a:spcBef>
+              <a:buNone/>
+            </a:pPr>
+            <a:r>
+              <a:t/>
+            </a:r>
+            <a:endParaRPr/>
+          </a:p>
+        </p:txBody>
+      </p:sp>
+    </p:spTree>
+  </p:cSld>
+  <p:clrMapOvr>
+    <a:masterClrMapping/>
+  </p:clrMapOvr>
+</p:notes>
+</file>
+
+<file path=ppt/notesSlides/notesSlide8.xml><?xml version="1.0" encoding="utf-8"?>
+<p:notes xmlns:a="http://schemas.openxmlformats.org/drawingml/2006/main" xmlns:r="http://schemas.openxmlformats.org/officeDocument/2006/relationships" xmlns:mc="http://schemas.openxmlformats.org/markup-compatibility/2006" xmlns:mv="urn:schemas-microsoft-com:mac:vml" xmlns:p="http://schemas.openxmlformats.org/presentationml/2006/main" xmlns:c="http://schemas.openxmlformats.org/drawingml/2006/chart" xmlns:dgm="http://schemas.openxmlformats.org/drawingml/2006/diagram" xmlns:o="urn:schemas-microsoft-com:office:office" xmlns:v="urn:schemas-microsoft-com:vml" xmlns:pvml="urn:schemas-microsoft-com:office:powerpoint" xmlns:com="http://schemas.openxmlformats.org/drawingml/2006/compatibility" xmlns:p14="http://schemas.microsoft.com/office/powerpoint/2010/main" xmlns:p15="http://schemas.microsoft.com/office/powerpoint/2012/main" showMasterPhAnim="0" showMasterSp="0">
+  <p:cSld>
+    <p:spTree>
+      <p:nvGrpSpPr>
+        <p:cNvPr id="122" name="Shape 122"/>
+        <p:cNvGrpSpPr/>
+        <p:nvPr/>
+      </p:nvGrpSpPr>
+      <p:grpSpPr>
+        <a:xfrm>
+          <a:off x="0" y="0"/>
+          <a:ext cx="0" cy="0"/>
+          <a:chOff x="0" y="0"/>
+          <a:chExt cx="0" cy="0"/>
+        </a:xfrm>
+      </p:grpSpPr>
+      <p:sp>
+        <p:nvSpPr>
+          <p:cNvPr id="123" name="Shape 123"/>
+          <p:cNvSpPr/>
+          <p:nvPr>
+            <p:ph idx="2" type="sldImg"/>
+          </p:nvPr>
+        </p:nvSpPr>
+        <p:spPr>
+          <a:xfrm>
+            <a:off x="1143225" y="685800"/>
+            <a:ext cx="4572300" cy="3429000"/>
+          </a:xfrm>
+          <a:custGeom>
+            <a:pathLst>
+              <a:path extrusionOk="0" h="120000" w="120000">
+                <a:moveTo>
+                  <a:pt x="0" y="0"/>
+                </a:moveTo>
+                <a:lnTo>
+                  <a:pt x="120000" y="0"/>
+                </a:lnTo>
+                <a:lnTo>
+                  <a:pt x="120000" y="120000"/>
+                </a:lnTo>
+                <a:lnTo>
+                  <a:pt x="0" y="120000"/>
+                </a:lnTo>
+                <a:close/>
+              </a:path>
+            </a:pathLst>
+          </a:custGeom>
+        </p:spPr>
+      </p:sp>
+      <p:sp>
+        <p:nvSpPr>
+          <p:cNvPr id="124" name="Shape 124"/>
+          <p:cNvSpPr txBox="1"/>
+          <p:nvPr>
+            <p:ph idx="1" type="body"/>
+          </p:nvPr>
+        </p:nvSpPr>
+        <p:spPr>
+          <a:xfrm>
+            <a:off x="685800" y="4343400"/>
+            <a:ext cx="5486400" cy="4114800"/>
+          </a:xfrm>
+          <a:prstGeom prst="rect">
+            <a:avLst/>
+          </a:prstGeom>
+        </p:spPr>
+        <p:txBody>
+          <a:bodyPr anchorCtr="0" anchor="t" bIns="91425" lIns="91425" rIns="91425" wrap="square" tIns="91425">
+            <a:noAutofit/>
+          </a:bodyPr>
+          <a:lstStyle/>
+          <a:p>
+            <a:pPr lvl="0">
+              <a:spcBef>
+                <a:spcPts val="0"/>
+              </a:spcBef>
+              <a:buNone/>
+            </a:pPr>
+            <a:r>
+              <a:t/>
+            </a:r>
+            <a:endParaRPr/>
+          </a:p>
+        </p:txBody>
+      </p:sp>
+    </p:spTree>
+  </p:cSld>
+  <p:clrMapOvr>
+    <a:masterClrMapping/>
+  </p:clrMapOvr>
+</p:notes>
+</file>
+
+<file path=ppt/notesSlides/notesSlide9.xml><?xml version="1.0" encoding="utf-8"?>
+<p:notes xmlns:a="http://schemas.openxmlformats.org/drawingml/2006/main" xmlns:r="http://schemas.openxmlformats.org/officeDocument/2006/relationships" xmlns:mc="http://schemas.openxmlformats.org/markup-compatibility/2006" xmlns:mv="urn:schemas-microsoft-com:mac:vml" xmlns:p="http://schemas.openxmlformats.org/presentationml/2006/main" xmlns:c="http://schemas.openxmlformats.org/drawingml/2006/chart" xmlns:dgm="http://schemas.openxmlformats.org/drawingml/2006/diagram" xmlns:o="urn:schemas-microsoft-com:office:office" xmlns:v="urn:schemas-microsoft-com:vml" xmlns:pvml="urn:schemas-microsoft-com:office:powerpoint" xmlns:com="http://schemas.openxmlformats.org/drawingml/2006/compatibility" xmlns:p14="http://schemas.microsoft.com/office/powerpoint/2010/main" xmlns:p15="http://schemas.microsoft.com/office/powerpoint/2012/main" showMasterPhAnim="0" showMasterSp="0">
+  <p:cSld>
+    <p:spTree>
+      <p:nvGrpSpPr>
+        <p:cNvPr id="128" name="Shape 128"/>
+        <p:cNvGrpSpPr/>
+        <p:nvPr/>
+      </p:nvGrpSpPr>
+      <p:grpSpPr>
+        <a:xfrm>
+          <a:off x="0" y="0"/>
+          <a:ext cx="0" cy="0"/>
+          <a:chOff x="0" y="0"/>
+          <a:chExt cx="0" cy="0"/>
+        </a:xfrm>
+      </p:grpSpPr>
+      <p:sp>
+        <p:nvSpPr>
+          <p:cNvPr id="129" name="Shape 129"/>
+          <p:cNvSpPr/>
+          <p:nvPr>
+            <p:ph idx="2" type="sldImg"/>
+          </p:nvPr>
+        </p:nvSpPr>
+        <p:spPr>
+          <a:xfrm>
+            <a:off x="1143225" y="685800"/>
+            <a:ext cx="4572300" cy="3429000"/>
+          </a:xfrm>
+          <a:custGeom>
+            <a:pathLst>
+              <a:path extrusionOk="0" h="120000" w="120000">
+                <a:moveTo>
+                  <a:pt x="0" y="0"/>
+                </a:moveTo>
+                <a:lnTo>
+                  <a:pt x="120000" y="0"/>
+                </a:lnTo>
+                <a:lnTo>
+                  <a:pt x="120000" y="120000"/>
+                </a:lnTo>
+                <a:lnTo>
+                  <a:pt x="0" y="120000"/>
+                </a:lnTo>
+                <a:close/>
+              </a:path>
+            </a:pathLst>
+          </a:custGeom>
+        </p:spPr>
+      </p:sp>
+      <p:sp>
+        <p:nvSpPr>
+          <p:cNvPr id="130" name="Shape 130"/>
           <p:cNvSpPr txBox="1"/>
           <p:nvPr>
             <p:ph idx="1" type="body"/>
@@ -1653,7 +2133,7 @@
         </p:nvSpPr>
         <p:spPr>
           <a:xfrm>
-            <a:off x="1080016" y="1767461"/>
+            <a:off x="1080016" y="1767462"/>
             <a:ext cx="12240181" cy="3759917"/>
           </a:xfrm>
           <a:prstGeom prst="rect">
@@ -1759,8 +2239,8 @@
         </p:nvSpPr>
         <p:spPr>
           <a:xfrm>
-            <a:off x="1800026" y="5672376"/>
-            <a:ext cx="10800159" cy="2607442"/>
+            <a:off x="1800027" y="5672376"/>
+            <a:ext cx="10800160" cy="2607442"/>
           </a:xfrm>
           <a:prstGeom prst="rect">
             <a:avLst/>
@@ -1985,8 +2465,8 @@
         </p:nvSpPr>
         <p:spPr>
           <a:xfrm>
-            <a:off x="990015" y="10009782"/>
-            <a:ext cx="3240048" cy="574986"/>
+            <a:off x="990015" y="10009783"/>
+            <a:ext cx="3240048" cy="574987"/>
           </a:xfrm>
           <a:prstGeom prst="rect">
             <a:avLst/>
@@ -2148,8 +2628,8 @@
         </p:nvSpPr>
         <p:spPr>
           <a:xfrm>
-            <a:off x="4770071" y="10009782"/>
-            <a:ext cx="4860071" cy="574986"/>
+            <a:off x="4770071" y="10009783"/>
+            <a:ext cx="4860072" cy="574987"/>
           </a:xfrm>
           <a:prstGeom prst="rect">
             <a:avLst/>
@@ -2311,8 +2791,8 @@
         </p:nvSpPr>
         <p:spPr>
           <a:xfrm>
-            <a:off x="10170150" y="10009782"/>
-            <a:ext cx="3240048" cy="574986"/>
+            <a:off x="10170150" y="10009783"/>
+            <a:ext cx="3240048" cy="574987"/>
           </a:xfrm>
           <a:prstGeom prst="rect">
             <a:avLst/>
@@ -2385,8 +2865,8 @@
         </p:nvSpPr>
         <p:spPr>
           <a:xfrm>
-            <a:off x="990015" y="574989"/>
-            <a:ext cx="12420184" cy="2087454"/>
+            <a:off x="990015" y="574990"/>
+            <a:ext cx="12420184" cy="2087455"/>
           </a:xfrm>
           <a:prstGeom prst="rect">
             <a:avLst/>
@@ -2491,7 +2971,7 @@
         </p:nvSpPr>
         <p:spPr>
           <a:xfrm rot="5400000">
-            <a:off x="3773931" y="91019"/>
+            <a:off x="3773931" y="91020"/>
             <a:ext cx="6852350" cy="12420184"/>
           </a:xfrm>
           <a:prstGeom prst="rect">
@@ -2726,8 +3206,8 @@
         </p:nvSpPr>
         <p:spPr>
           <a:xfrm>
-            <a:off x="990015" y="10009782"/>
-            <a:ext cx="3240048" cy="574986"/>
+            <a:off x="990015" y="10009783"/>
+            <a:ext cx="3240048" cy="574987"/>
           </a:xfrm>
           <a:prstGeom prst="rect">
             <a:avLst/>
@@ -2889,8 +3369,8 @@
         </p:nvSpPr>
         <p:spPr>
           <a:xfrm>
-            <a:off x="4770071" y="10009782"/>
-            <a:ext cx="4860071" cy="574986"/>
+            <a:off x="4770071" y="10009783"/>
+            <a:ext cx="4860072" cy="574987"/>
           </a:xfrm>
           <a:prstGeom prst="rect">
             <a:avLst/>
@@ -3052,8 +3532,8 @@
         </p:nvSpPr>
         <p:spPr>
           <a:xfrm>
-            <a:off x="10170150" y="10009782"/>
-            <a:ext cx="3240048" cy="574986"/>
+            <a:off x="10170150" y="10009783"/>
+            <a:ext cx="3240048" cy="574987"/>
           </a:xfrm>
           <a:prstGeom prst="rect">
             <a:avLst/>
@@ -3232,8 +3712,8 @@
         </p:nvSpPr>
         <p:spPr>
           <a:xfrm rot="5400000">
-            <a:off x="981432" y="583569"/>
-            <a:ext cx="9152300" cy="9135134"/>
+            <a:off x="981433" y="583570"/>
+            <a:ext cx="9152300" cy="9135135"/>
           </a:xfrm>
           <a:prstGeom prst="rect">
             <a:avLst/>
@@ -3467,8 +3947,8 @@
         </p:nvSpPr>
         <p:spPr>
           <a:xfrm>
-            <a:off x="990015" y="10009782"/>
-            <a:ext cx="3240048" cy="574986"/>
+            <a:off x="990015" y="10009783"/>
+            <a:ext cx="3240048" cy="574987"/>
           </a:xfrm>
           <a:prstGeom prst="rect">
             <a:avLst/>
@@ -3630,8 +4110,8 @@
         </p:nvSpPr>
         <p:spPr>
           <a:xfrm>
-            <a:off x="4770071" y="10009782"/>
-            <a:ext cx="4860071" cy="574986"/>
+            <a:off x="4770071" y="10009783"/>
+            <a:ext cx="4860072" cy="574987"/>
           </a:xfrm>
           <a:prstGeom prst="rect">
             <a:avLst/>
@@ -3793,8 +4273,8 @@
         </p:nvSpPr>
         <p:spPr>
           <a:xfrm>
-            <a:off x="10170150" y="10009782"/>
-            <a:ext cx="3240048" cy="574986"/>
+            <a:off x="10170150" y="10009783"/>
+            <a:ext cx="3240048" cy="574987"/>
           </a:xfrm>
           <a:prstGeom prst="rect">
             <a:avLst/>
@@ -3867,8 +4347,8 @@
         </p:nvSpPr>
         <p:spPr>
           <a:xfrm>
-            <a:off x="990015" y="574989"/>
-            <a:ext cx="12420184" cy="2087454"/>
+            <a:off x="990015" y="574990"/>
+            <a:ext cx="12420184" cy="2087455"/>
           </a:xfrm>
           <a:prstGeom prst="rect">
             <a:avLst/>
@@ -3973,7 +4453,7 @@
         </p:nvSpPr>
         <p:spPr>
           <a:xfrm>
-            <a:off x="990015" y="2874936"/>
+            <a:off x="990015" y="2874937"/>
             <a:ext cx="12420300" cy="6852300"/>
           </a:xfrm>
           <a:prstGeom prst="rect">
@@ -4204,8 +4684,8 @@
         </p:nvSpPr>
         <p:spPr>
           <a:xfrm>
-            <a:off x="990015" y="10009782"/>
-            <a:ext cx="3240048" cy="574986"/>
+            <a:off x="990015" y="10009783"/>
+            <a:ext cx="3240048" cy="574987"/>
           </a:xfrm>
           <a:prstGeom prst="rect">
             <a:avLst/>
@@ -4367,8 +4847,8 @@
         </p:nvSpPr>
         <p:spPr>
           <a:xfrm>
-            <a:off x="4770071" y="10009782"/>
-            <a:ext cx="4860071" cy="574986"/>
+            <a:off x="4770071" y="10009783"/>
+            <a:ext cx="4860072" cy="574987"/>
           </a:xfrm>
           <a:prstGeom prst="rect">
             <a:avLst/>
@@ -4530,8 +5010,8 @@
         </p:nvSpPr>
         <p:spPr>
           <a:xfrm>
-            <a:off x="10170150" y="10009782"/>
-            <a:ext cx="3240048" cy="574986"/>
+            <a:off x="10170150" y="10009783"/>
+            <a:ext cx="3240048" cy="574987"/>
           </a:xfrm>
           <a:prstGeom prst="rect">
             <a:avLst/>
@@ -4604,7 +5084,7 @@
         </p:nvSpPr>
         <p:spPr>
           <a:xfrm>
-            <a:off x="982515" y="2692443"/>
+            <a:off x="982515" y="2692444"/>
             <a:ext cx="12420184" cy="4492401"/>
           </a:xfrm>
           <a:prstGeom prst="rect">
@@ -4711,7 +5191,7 @@
         <p:spPr>
           <a:xfrm>
             <a:off x="982515" y="7227345"/>
-            <a:ext cx="12420184" cy="2362446"/>
+            <a:ext cx="12420184" cy="2362447"/>
           </a:xfrm>
           <a:prstGeom prst="rect">
             <a:avLst/>
@@ -4936,8 +5416,8 @@
         </p:nvSpPr>
         <p:spPr>
           <a:xfrm>
-            <a:off x="990015" y="10009782"/>
-            <a:ext cx="3240048" cy="574986"/>
+            <a:off x="990015" y="10009783"/>
+            <a:ext cx="3240048" cy="574987"/>
           </a:xfrm>
           <a:prstGeom prst="rect">
             <a:avLst/>
@@ -5099,8 +5579,8 @@
         </p:nvSpPr>
         <p:spPr>
           <a:xfrm>
-            <a:off x="4770071" y="10009782"/>
-            <a:ext cx="4860071" cy="574986"/>
+            <a:off x="4770071" y="10009783"/>
+            <a:ext cx="4860072" cy="574987"/>
           </a:xfrm>
           <a:prstGeom prst="rect">
             <a:avLst/>
@@ -5262,8 +5742,8 @@
         </p:nvSpPr>
         <p:spPr>
           <a:xfrm>
-            <a:off x="10170150" y="10009782"/>
-            <a:ext cx="3240048" cy="574986"/>
+            <a:off x="10170150" y="10009783"/>
+            <a:ext cx="3240048" cy="574987"/>
           </a:xfrm>
           <a:prstGeom prst="rect">
             <a:avLst/>
@@ -5336,8 +5816,8 @@
         </p:nvSpPr>
         <p:spPr>
           <a:xfrm>
-            <a:off x="990015" y="574989"/>
-            <a:ext cx="12420184" cy="2087454"/>
+            <a:off x="990015" y="574990"/>
+            <a:ext cx="12420184" cy="2087455"/>
           </a:xfrm>
           <a:prstGeom prst="rect">
             <a:avLst/>
@@ -5442,8 +5922,8 @@
         </p:nvSpPr>
         <p:spPr>
           <a:xfrm>
-            <a:off x="990013" y="2874936"/>
-            <a:ext cx="6120090" cy="6852350"/>
+            <a:off x="990014" y="2874937"/>
+            <a:ext cx="6120091" cy="6852350"/>
           </a:xfrm>
           <a:prstGeom prst="rect">
             <a:avLst/>
@@ -5677,8 +6157,8 @@
         </p:nvSpPr>
         <p:spPr>
           <a:xfrm>
-            <a:off x="7290107" y="2874936"/>
-            <a:ext cx="6120090" cy="6852350"/>
+            <a:off x="7290108" y="2874937"/>
+            <a:ext cx="6120091" cy="6852350"/>
           </a:xfrm>
           <a:prstGeom prst="rect">
             <a:avLst/>
@@ -5912,8 +6392,8 @@
         </p:nvSpPr>
         <p:spPr>
           <a:xfrm>
-            <a:off x="990015" y="10009782"/>
-            <a:ext cx="3240048" cy="574986"/>
+            <a:off x="990015" y="10009783"/>
+            <a:ext cx="3240048" cy="574987"/>
           </a:xfrm>
           <a:prstGeom prst="rect">
             <a:avLst/>
@@ -6075,8 +6555,8 @@
         </p:nvSpPr>
         <p:spPr>
           <a:xfrm>
-            <a:off x="4770071" y="10009782"/>
-            <a:ext cx="4860071" cy="574986"/>
+            <a:off x="4770071" y="10009783"/>
+            <a:ext cx="4860072" cy="574987"/>
           </a:xfrm>
           <a:prstGeom prst="rect">
             <a:avLst/>
@@ -6238,8 +6718,8 @@
         </p:nvSpPr>
         <p:spPr>
           <a:xfrm>
-            <a:off x="10170150" y="10009782"/>
-            <a:ext cx="3240048" cy="574986"/>
+            <a:off x="10170150" y="10009783"/>
+            <a:ext cx="3240048" cy="574987"/>
           </a:xfrm>
           <a:prstGeom prst="rect">
             <a:avLst/>
@@ -6312,8 +6792,8 @@
         </p:nvSpPr>
         <p:spPr>
           <a:xfrm>
-            <a:off x="991890" y="574989"/>
-            <a:ext cx="12420184" cy="2087454"/>
+            <a:off x="991890" y="574990"/>
+            <a:ext cx="12420184" cy="2087455"/>
           </a:xfrm>
           <a:prstGeom prst="rect">
             <a:avLst/>
@@ -6418,8 +6898,8 @@
         </p:nvSpPr>
         <p:spPr>
           <a:xfrm>
-            <a:off x="991891" y="2647442"/>
-            <a:ext cx="6091964" cy="1297470"/>
+            <a:off x="991892" y="2647443"/>
+            <a:ext cx="6091964" cy="1297471"/>
           </a:xfrm>
           <a:prstGeom prst="rect">
             <a:avLst/>
@@ -6644,7 +7124,7 @@
         </p:nvSpPr>
         <p:spPr>
           <a:xfrm>
-            <a:off x="991891" y="3944914"/>
+            <a:off x="991892" y="3944914"/>
             <a:ext cx="6091964" cy="5802373"/>
           </a:xfrm>
           <a:prstGeom prst="rect">
@@ -6879,8 +7359,8 @@
         </p:nvSpPr>
         <p:spPr>
           <a:xfrm>
-            <a:off x="7290109" y="2647442"/>
-            <a:ext cx="6121966" cy="1297470"/>
+            <a:off x="7290109" y="2647443"/>
+            <a:ext cx="6121966" cy="1297471"/>
           </a:xfrm>
           <a:prstGeom prst="rect">
             <a:avLst/>
@@ -7340,8 +7820,8 @@
         </p:nvSpPr>
         <p:spPr>
           <a:xfrm>
-            <a:off x="990015" y="10009782"/>
-            <a:ext cx="3240048" cy="574986"/>
+            <a:off x="990015" y="10009783"/>
+            <a:ext cx="3240048" cy="574987"/>
           </a:xfrm>
           <a:prstGeom prst="rect">
             <a:avLst/>
@@ -7503,8 +7983,8 @@
         </p:nvSpPr>
         <p:spPr>
           <a:xfrm>
-            <a:off x="4770071" y="10009782"/>
-            <a:ext cx="4860071" cy="574986"/>
+            <a:off x="4770071" y="10009783"/>
+            <a:ext cx="4860072" cy="574987"/>
           </a:xfrm>
           <a:prstGeom prst="rect">
             <a:avLst/>
@@ -7666,8 +8146,8 @@
         </p:nvSpPr>
         <p:spPr>
           <a:xfrm>
-            <a:off x="10170150" y="10009782"/>
-            <a:ext cx="3240048" cy="574986"/>
+            <a:off x="10170150" y="10009783"/>
+            <a:ext cx="3240048" cy="574987"/>
           </a:xfrm>
           <a:prstGeom prst="rect">
             <a:avLst/>
@@ -7740,8 +8220,8 @@
         </p:nvSpPr>
         <p:spPr>
           <a:xfrm>
-            <a:off x="990015" y="574989"/>
-            <a:ext cx="12420184" cy="2087454"/>
+            <a:off x="990015" y="574990"/>
+            <a:ext cx="12420184" cy="2087455"/>
           </a:xfrm>
           <a:prstGeom prst="rect">
             <a:avLst/>
@@ -7846,8 +8326,8 @@
         </p:nvSpPr>
         <p:spPr>
           <a:xfrm>
-            <a:off x="990015" y="10009782"/>
-            <a:ext cx="3240048" cy="574986"/>
+            <a:off x="990015" y="10009783"/>
+            <a:ext cx="3240048" cy="574987"/>
           </a:xfrm>
           <a:prstGeom prst="rect">
             <a:avLst/>
@@ -8009,8 +8489,8 @@
         </p:nvSpPr>
         <p:spPr>
           <a:xfrm>
-            <a:off x="4770071" y="10009782"/>
-            <a:ext cx="4860071" cy="574986"/>
+            <a:off x="4770071" y="10009783"/>
+            <a:ext cx="4860072" cy="574987"/>
           </a:xfrm>
           <a:prstGeom prst="rect">
             <a:avLst/>
@@ -8172,8 +8652,8 @@
         </p:nvSpPr>
         <p:spPr>
           <a:xfrm>
-            <a:off x="10170150" y="10009782"/>
-            <a:ext cx="3240048" cy="574986"/>
+            <a:off x="10170150" y="10009783"/>
+            <a:ext cx="3240048" cy="574987"/>
           </a:xfrm>
           <a:prstGeom prst="rect">
             <a:avLst/>
@@ -8246,8 +8726,8 @@
         </p:nvSpPr>
         <p:spPr>
           <a:xfrm>
-            <a:off x="990015" y="10009782"/>
-            <a:ext cx="3240048" cy="574986"/>
+            <a:off x="990015" y="10009783"/>
+            <a:ext cx="3240048" cy="574987"/>
           </a:xfrm>
           <a:prstGeom prst="rect">
             <a:avLst/>
@@ -8409,8 +8889,8 @@
         </p:nvSpPr>
         <p:spPr>
           <a:xfrm>
-            <a:off x="4770071" y="10009782"/>
-            <a:ext cx="4860071" cy="574986"/>
+            <a:off x="4770071" y="10009783"/>
+            <a:ext cx="4860072" cy="574987"/>
           </a:xfrm>
           <a:prstGeom prst="rect">
             <a:avLst/>
@@ -8572,8 +9052,8 @@
         </p:nvSpPr>
         <p:spPr>
           <a:xfrm>
-            <a:off x="10170150" y="10009782"/>
-            <a:ext cx="3240048" cy="574986"/>
+            <a:off x="10170150" y="10009783"/>
+            <a:ext cx="3240048" cy="574987"/>
           </a:xfrm>
           <a:prstGeom prst="rect">
             <a:avLst/>
@@ -8646,7 +9126,7 @@
         </p:nvSpPr>
         <p:spPr>
           <a:xfrm>
-            <a:off x="991890" y="719983"/>
+            <a:off x="991890" y="719984"/>
             <a:ext cx="4644444" cy="2519945"/>
           </a:xfrm>
           <a:prstGeom prst="rect">
@@ -8752,7 +9232,7 @@
         </p:nvSpPr>
         <p:spPr>
           <a:xfrm>
-            <a:off x="6121966" y="1554967"/>
+            <a:off x="6121966" y="1554968"/>
             <a:ext cx="7290108" cy="7674832"/>
           </a:xfrm>
           <a:prstGeom prst="rect">
@@ -8987,8 +9467,8 @@
         </p:nvSpPr>
         <p:spPr>
           <a:xfrm>
-            <a:off x="991890" y="3239928"/>
-            <a:ext cx="4644444" cy="6002368"/>
+            <a:off x="991890" y="3239929"/>
+            <a:ext cx="4644444" cy="6002369"/>
           </a:xfrm>
           <a:prstGeom prst="rect">
             <a:avLst/>
@@ -9213,8 +9693,8 @@
         </p:nvSpPr>
         <p:spPr>
           <a:xfrm>
-            <a:off x="990015" y="10009782"/>
-            <a:ext cx="3240048" cy="574986"/>
+            <a:off x="990015" y="10009783"/>
+            <a:ext cx="3240048" cy="574987"/>
           </a:xfrm>
           <a:prstGeom prst="rect">
             <a:avLst/>
@@ -9376,8 +9856,8 @@
         </p:nvSpPr>
         <p:spPr>
           <a:xfrm>
-            <a:off x="4770071" y="10009782"/>
-            <a:ext cx="4860071" cy="574986"/>
+            <a:off x="4770071" y="10009783"/>
+            <a:ext cx="4860072" cy="574987"/>
           </a:xfrm>
           <a:prstGeom prst="rect">
             <a:avLst/>
@@ -9539,8 +10019,8 @@
         </p:nvSpPr>
         <p:spPr>
           <a:xfrm>
-            <a:off x="10170150" y="10009782"/>
-            <a:ext cx="3240048" cy="574986"/>
+            <a:off x="10170150" y="10009783"/>
+            <a:ext cx="3240048" cy="574987"/>
           </a:xfrm>
           <a:prstGeom prst="rect">
             <a:avLst/>
@@ -9613,7 +10093,7 @@
         </p:nvSpPr>
         <p:spPr>
           <a:xfrm>
-            <a:off x="991890" y="719983"/>
+            <a:off x="991890" y="719984"/>
             <a:ext cx="4644444" cy="2519945"/>
           </a:xfrm>
           <a:prstGeom prst="rect">
@@ -9719,7 +10199,7 @@
         </p:nvSpPr>
         <p:spPr>
           <a:xfrm>
-            <a:off x="6121966" y="1554967"/>
+            <a:off x="6121966" y="1554968"/>
             <a:ext cx="7290108" cy="7674832"/>
           </a:xfrm>
           <a:prstGeom prst="rect">
@@ -9945,8 +10425,8 @@
         </p:nvSpPr>
         <p:spPr>
           <a:xfrm>
-            <a:off x="991890" y="3239928"/>
-            <a:ext cx="4644444" cy="6002368"/>
+            <a:off x="991890" y="3239929"/>
+            <a:ext cx="4644444" cy="6002369"/>
           </a:xfrm>
           <a:prstGeom prst="rect">
             <a:avLst/>
@@ -10171,8 +10651,8 @@
         </p:nvSpPr>
         <p:spPr>
           <a:xfrm>
-            <a:off x="990015" y="10009782"/>
-            <a:ext cx="3240048" cy="574986"/>
+            <a:off x="990015" y="10009783"/>
+            <a:ext cx="3240048" cy="574987"/>
           </a:xfrm>
           <a:prstGeom prst="rect">
             <a:avLst/>
@@ -10334,8 +10814,8 @@
         </p:nvSpPr>
         <p:spPr>
           <a:xfrm>
-            <a:off x="4770071" y="10009782"/>
-            <a:ext cx="4860071" cy="574986"/>
+            <a:off x="4770071" y="10009783"/>
+            <a:ext cx="4860072" cy="574987"/>
           </a:xfrm>
           <a:prstGeom prst="rect">
             <a:avLst/>
@@ -10497,8 +10977,8 @@
         </p:nvSpPr>
         <p:spPr>
           <a:xfrm>
-            <a:off x="10170150" y="10009782"/>
-            <a:ext cx="3240048" cy="574986"/>
+            <a:off x="10170150" y="10009783"/>
+            <a:ext cx="3240048" cy="574987"/>
           </a:xfrm>
           <a:prstGeom prst="rect">
             <a:avLst/>
@@ -10578,8 +11058,8 @@
         </p:nvSpPr>
         <p:spPr>
           <a:xfrm>
-            <a:off x="990015" y="574989"/>
-            <a:ext cx="12420184" cy="2087454"/>
+            <a:off x="990015" y="574990"/>
+            <a:ext cx="12420184" cy="2087455"/>
           </a:xfrm>
           <a:prstGeom prst="rect">
             <a:avLst/>
@@ -10684,7 +11164,7 @@
         </p:nvSpPr>
         <p:spPr>
           <a:xfrm>
-            <a:off x="990015" y="2874936"/>
+            <a:off x="990015" y="2874937"/>
             <a:ext cx="12420184" cy="6852350"/>
           </a:xfrm>
           <a:prstGeom prst="rect">
@@ -10919,8 +11399,8 @@
         </p:nvSpPr>
         <p:spPr>
           <a:xfrm>
-            <a:off x="990015" y="10009782"/>
-            <a:ext cx="3240048" cy="574986"/>
+            <a:off x="990015" y="10009783"/>
+            <a:ext cx="3240048" cy="574987"/>
           </a:xfrm>
           <a:prstGeom prst="rect">
             <a:avLst/>
@@ -11082,8 +11562,8 @@
         </p:nvSpPr>
         <p:spPr>
           <a:xfrm>
-            <a:off x="4770071" y="10009782"/>
-            <a:ext cx="4860071" cy="574986"/>
+            <a:off x="4770071" y="10009783"/>
+            <a:ext cx="4860072" cy="574987"/>
           </a:xfrm>
           <a:prstGeom prst="rect">
             <a:avLst/>
@@ -11245,8 +11725,8 @@
         </p:nvSpPr>
         <p:spPr>
           <a:xfrm>
-            <a:off x="10170150" y="10009782"/>
-            <a:ext cx="3240048" cy="574986"/>
+            <a:off x="10170150" y="10009783"/>
+            <a:ext cx="3240048" cy="574987"/>
           </a:xfrm>
           <a:prstGeom prst="rect">
             <a:avLst/>
@@ -11300,7 +11780,7 @@
         <p:spPr>
           <a:xfrm>
             <a:off x="-2893" y="9899274"/>
-            <a:ext cx="14405998" cy="901207"/>
+            <a:ext cx="14405999" cy="901207"/>
           </a:xfrm>
           <a:prstGeom prst="rect">
             <a:avLst/>
@@ -11798,7 +12278,7 @@
         </p:nvSpPr>
         <p:spPr>
           <a:xfrm>
-            <a:off x="1080016" y="1767461"/>
+            <a:off x="1080016" y="1767462"/>
             <a:ext cx="12240181" cy="3759917"/>
           </a:xfrm>
           <a:prstGeom prst="rect">
@@ -11836,54 +12316,6 @@
           </a:p>
         </p:txBody>
       </p:sp>
-      <p:sp>
-        <p:nvSpPr>
-          <p:cNvPr id="86" name="Shape 86"/>
-          <p:cNvSpPr txBox="1"/>
-          <p:nvPr>
-            <p:ph idx="1" type="subTitle"/>
-          </p:nvPr>
-        </p:nvSpPr>
-        <p:spPr>
-          <a:xfrm>
-            <a:off x="1800026" y="5672376"/>
-            <a:ext cx="10800159" cy="2607442"/>
-          </a:xfrm>
-          <a:prstGeom prst="rect">
-            <a:avLst/>
-          </a:prstGeom>
-          <a:noFill/>
-          <a:ln>
-            <a:noFill/>
-          </a:ln>
-        </p:spPr>
-        <p:txBody>
-          <a:bodyPr anchorCtr="0" anchor="t" bIns="45700" lIns="91425" rIns="91425" wrap="square" tIns="45700">
-            <a:noAutofit/>
-          </a:bodyPr>
-          <a:lstStyle/>
-          <a:p>
-            <a:pPr indent="0" lvl="0" marL="0" marR="0" rtl="0" algn="ctr">
-              <a:lnSpc>
-                <a:spcPct val="90000"/>
-              </a:lnSpc>
-              <a:spcBef>
-                <a:spcPts val="0"/>
-              </a:spcBef>
-              <a:buClr>
-                <a:schemeClr val="dk1"/>
-              </a:buClr>
-              <a:buSzPct val="25000"/>
-              <a:buFont typeface="Arial"/>
-              <a:buNone/>
-            </a:pPr>
-            <a:r>
-              <a:rPr lang="en-US"/>
-              <a:t>Wim van der Ham</a:t>
-            </a:r>
-          </a:p>
-        </p:txBody>
-      </p:sp>
     </p:spTree>
   </p:cSld>
   <p:clrMapOvr>
@@ -11897,7 +12329,7 @@
   <p:cSld>
     <p:spTree>
       <p:nvGrpSpPr>
-        <p:cNvPr id="138" name="Shape 138"/>
+        <p:cNvPr id="137" name="Shape 137"/>
         <p:cNvGrpSpPr/>
         <p:nvPr/>
       </p:nvGrpSpPr>
@@ -11911,7 +12343,7 @@
       </p:grpSpPr>
       <p:sp>
         <p:nvSpPr>
-          <p:cNvPr id="139" name="Shape 139"/>
+          <p:cNvPr id="138" name="Shape 138"/>
           <p:cNvSpPr txBox="1"/>
           <p:nvPr>
             <p:ph type="title"/>
@@ -11919,7 +12351,7 @@
         </p:nvSpPr>
         <p:spPr>
           <a:xfrm>
-            <a:off x="990015" y="574989"/>
+            <a:off x="990015" y="574990"/>
             <a:ext cx="12420300" cy="2087400"/>
           </a:xfrm>
           <a:prstGeom prst="rect">
@@ -11940,6 +12372,416 @@
             </a:pPr>
             <a:r>
               <a:rPr lang="en-US"/>
+              <a:t>markdown - link</a:t>
+            </a:r>
+          </a:p>
+        </p:txBody>
+      </p:sp>
+      <p:sp>
+        <p:nvSpPr>
+          <p:cNvPr id="139" name="Shape 139"/>
+          <p:cNvSpPr txBox="1"/>
+          <p:nvPr>
+            <p:ph idx="1" type="body"/>
+          </p:nvPr>
+        </p:nvSpPr>
+        <p:spPr>
+          <a:xfrm>
+            <a:off x="990015" y="2874937"/>
+            <a:ext cx="12420300" cy="6852300"/>
+          </a:xfrm>
+          <a:prstGeom prst="rect">
+            <a:avLst/>
+          </a:prstGeom>
+        </p:spPr>
+        <p:txBody>
+          <a:bodyPr anchorCtr="0" anchor="t" bIns="91425" lIns="91425" rIns="91425" wrap="square" tIns="91425">
+            <a:noAutofit/>
+          </a:bodyPr>
+          <a:lstStyle/>
+          <a:p>
+            <a:pPr lvl="0" rtl="0">
+              <a:spcBef>
+                <a:spcPts val="0"/>
+              </a:spcBef>
+              <a:buNone/>
+            </a:pPr>
+            <a:r>
+              <a:rPr lang="en-US"/>
+              <a:t>[link](http://example.com)</a:t>
+            </a:r>
+          </a:p>
+        </p:txBody>
+      </p:sp>
+    </p:spTree>
+  </p:cSld>
+  <p:clrMapOvr>
+    <a:masterClrMapping/>
+  </p:clrMapOvr>
+</p:sld>
+</file>
+
+<file path=ppt/slides/slide11.xml><?xml version="1.0" encoding="utf-8"?>
+<p:sld xmlns:a="http://schemas.openxmlformats.org/drawingml/2006/main" xmlns:r="http://schemas.openxmlformats.org/officeDocument/2006/relationships" xmlns:mc="http://schemas.openxmlformats.org/markup-compatibility/2006" xmlns:mv="urn:schemas-microsoft-com:mac:vml" xmlns:p="http://schemas.openxmlformats.org/presentationml/2006/main" xmlns:c="http://schemas.openxmlformats.org/drawingml/2006/chart" xmlns:dgm="http://schemas.openxmlformats.org/drawingml/2006/diagram" xmlns:o="urn:schemas-microsoft-com:office:office" xmlns:v="urn:schemas-microsoft-com:vml" xmlns:pvml="urn:schemas-microsoft-com:office:powerpoint" xmlns:com="http://schemas.openxmlformats.org/drawingml/2006/compatibility" xmlns:p14="http://schemas.microsoft.com/office/powerpoint/2010/main" xmlns:p15="http://schemas.microsoft.com/office/powerpoint/2012/main">
+  <p:cSld>
+    <p:spTree>
+      <p:nvGrpSpPr>
+        <p:cNvPr id="143" name="Shape 143"/>
+        <p:cNvGrpSpPr/>
+        <p:nvPr/>
+      </p:nvGrpSpPr>
+      <p:grpSpPr>
+        <a:xfrm>
+          <a:off x="0" y="0"/>
+          <a:ext cx="0" cy="0"/>
+          <a:chOff x="0" y="0"/>
+          <a:chExt cx="0" cy="0"/>
+        </a:xfrm>
+      </p:grpSpPr>
+      <p:sp>
+        <p:nvSpPr>
+          <p:cNvPr id="144" name="Shape 144"/>
+          <p:cNvSpPr txBox="1"/>
+          <p:nvPr>
+            <p:ph type="title"/>
+          </p:nvPr>
+        </p:nvSpPr>
+        <p:spPr>
+          <a:xfrm>
+            <a:off x="990015" y="574990"/>
+            <a:ext cx="12420300" cy="2087400"/>
+          </a:xfrm>
+          <a:prstGeom prst="rect">
+            <a:avLst/>
+          </a:prstGeom>
+        </p:spPr>
+        <p:txBody>
+          <a:bodyPr anchorCtr="0" anchor="ctr" bIns="91425" lIns="91425" rIns="91425" wrap="square" tIns="91425">
+            <a:noAutofit/>
+          </a:bodyPr>
+          <a:lstStyle/>
+          <a:p>
+            <a:pPr lvl="0">
+              <a:spcBef>
+                <a:spcPts val="0"/>
+              </a:spcBef>
+              <a:buNone/>
+            </a:pPr>
+            <a:r>
+              <a:rPr lang="en-US"/>
+              <a:t>Code Chunks</a:t>
+            </a:r>
+          </a:p>
+        </p:txBody>
+      </p:sp>
+      <p:sp>
+        <p:nvSpPr>
+          <p:cNvPr id="145" name="Shape 145"/>
+          <p:cNvSpPr txBox="1"/>
+          <p:nvPr>
+            <p:ph idx="1" type="body"/>
+          </p:nvPr>
+        </p:nvSpPr>
+        <p:spPr>
+          <a:xfrm>
+            <a:off x="990015" y="2874937"/>
+            <a:ext cx="12420300" cy="6852300"/>
+          </a:xfrm>
+          <a:prstGeom prst="rect">
+            <a:avLst/>
+          </a:prstGeom>
+        </p:spPr>
+        <p:txBody>
+          <a:bodyPr anchorCtr="0" anchor="t" bIns="91425" lIns="91425" rIns="91425" wrap="square" tIns="91425">
+            <a:noAutofit/>
+          </a:bodyPr>
+          <a:lstStyle/>
+          <a:p>
+            <a:pPr lvl="0">
+              <a:spcBef>
+                <a:spcPts val="0"/>
+              </a:spcBef>
+              <a:buNone/>
+            </a:pPr>
+            <a:r>
+              <a:rPr lang="en-US"/>
+              <a:t>chunck ```{r} ```</a:t>
+            </a:r>
+          </a:p>
+          <a:p>
+            <a:pPr lvl="0">
+              <a:spcBef>
+                <a:spcPts val="0"/>
+              </a:spcBef>
+              <a:buNone/>
+            </a:pPr>
+            <a:r>
+              <a:rPr lang="en-US"/>
+              <a:t>nombre de un chunck</a:t>
+            </a:r>
+          </a:p>
+          <a:p>
+            <a:pPr lvl="0">
+              <a:spcBef>
+                <a:spcPts val="0"/>
+              </a:spcBef>
+              <a:buNone/>
+            </a:pPr>
+            <a:r>
+              <a:rPr lang="en-US"/>
+              <a:t>special: setup</a:t>
+            </a:r>
+          </a:p>
+          <a:p>
+            <a:pPr lvl="0">
+              <a:spcBef>
+                <a:spcPts val="0"/>
+              </a:spcBef>
+              <a:buNone/>
+            </a:pPr>
+            <a:r>
+              <a:t/>
+            </a:r>
+            <a:endParaRPr/>
+          </a:p>
+          <a:p>
+            <a:pPr lvl="0">
+              <a:spcBef>
+                <a:spcPts val="0"/>
+              </a:spcBef>
+              <a:buNone/>
+            </a:pPr>
+            <a:r>
+              <a:rPr lang="en-US"/>
+              <a:t>opciones:</a:t>
+            </a:r>
+          </a:p>
+          <a:p>
+            <a:pPr lvl="0">
+              <a:spcBef>
+                <a:spcPts val="0"/>
+              </a:spcBef>
+              <a:buNone/>
+            </a:pPr>
+            <a:r>
+              <a:rPr lang="en-US"/>
+              <a:t>cache, include, echo</a:t>
+            </a:r>
+          </a:p>
+          <a:p>
+            <a:pPr lvl="0">
+              <a:spcBef>
+                <a:spcPts val="0"/>
+              </a:spcBef>
+              <a:buNone/>
+            </a:pPr>
+            <a:r>
+              <a:t/>
+            </a:r>
+            <a:endParaRPr/>
+          </a:p>
+          <a:p>
+            <a:pPr lvl="0">
+              <a:spcBef>
+                <a:spcPts val="0"/>
+              </a:spcBef>
+              <a:buNone/>
+            </a:pPr>
+            <a:r>
+              <a:rPr lang="en-US"/>
+              <a:t>inline </a:t>
+            </a:r>
+            <a:r>
+              <a:rPr lang="en-US"/>
+              <a:t>`r `</a:t>
+            </a:r>
+          </a:p>
+        </p:txBody>
+      </p:sp>
+    </p:spTree>
+  </p:cSld>
+  <p:clrMapOvr>
+    <a:masterClrMapping/>
+  </p:clrMapOvr>
+</p:sld>
+</file>
+
+<file path=ppt/slides/slide12.xml><?xml version="1.0" encoding="utf-8"?>
+<p:sld xmlns:a="http://schemas.openxmlformats.org/drawingml/2006/main" xmlns:r="http://schemas.openxmlformats.org/officeDocument/2006/relationships" xmlns:mc="http://schemas.openxmlformats.org/markup-compatibility/2006" xmlns:mv="urn:schemas-microsoft-com:mac:vml" xmlns:p="http://schemas.openxmlformats.org/presentationml/2006/main" xmlns:c="http://schemas.openxmlformats.org/drawingml/2006/chart" xmlns:dgm="http://schemas.openxmlformats.org/drawingml/2006/diagram" xmlns:o="urn:schemas-microsoft-com:office:office" xmlns:v="urn:schemas-microsoft-com:vml" xmlns:pvml="urn:schemas-microsoft-com:office:powerpoint" xmlns:com="http://schemas.openxmlformats.org/drawingml/2006/compatibility" xmlns:p14="http://schemas.microsoft.com/office/powerpoint/2010/main" xmlns:p15="http://schemas.microsoft.com/office/powerpoint/2012/main">
+  <p:cSld>
+    <p:spTree>
+      <p:nvGrpSpPr>
+        <p:cNvPr id="149" name="Shape 149"/>
+        <p:cNvGrpSpPr/>
+        <p:nvPr/>
+      </p:nvGrpSpPr>
+      <p:grpSpPr>
+        <a:xfrm>
+          <a:off x="0" y="0"/>
+          <a:ext cx="0" cy="0"/>
+          <a:chOff x="0" y="0"/>
+          <a:chExt cx="0" cy="0"/>
+        </a:xfrm>
+      </p:grpSpPr>
+      <p:sp>
+        <p:nvSpPr>
+          <p:cNvPr id="150" name="Shape 150"/>
+          <p:cNvSpPr txBox="1"/>
+          <p:nvPr>
+            <p:ph type="title"/>
+          </p:nvPr>
+        </p:nvSpPr>
+        <p:spPr>
+          <a:xfrm>
+            <a:off x="990015" y="574990"/>
+            <a:ext cx="12420300" cy="2087400"/>
+          </a:xfrm>
+          <a:prstGeom prst="rect">
+            <a:avLst/>
+          </a:prstGeom>
+        </p:spPr>
+        <p:txBody>
+          <a:bodyPr anchorCtr="0" anchor="ctr" bIns="91425" lIns="91425" rIns="91425" wrap="square" tIns="91425">
+            <a:noAutofit/>
+          </a:bodyPr>
+          <a:lstStyle/>
+          <a:p>
+            <a:pPr lvl="0">
+              <a:spcBef>
+                <a:spcPts val="0"/>
+              </a:spcBef>
+              <a:buNone/>
+            </a:pPr>
+            <a:r>
+              <a:rPr lang="en-US"/>
+              <a:t>Global opciones</a:t>
+            </a:r>
+          </a:p>
+        </p:txBody>
+      </p:sp>
+      <p:sp>
+        <p:nvSpPr>
+          <p:cNvPr id="151" name="Shape 151"/>
+          <p:cNvSpPr txBox="1"/>
+          <p:nvPr>
+            <p:ph idx="1" type="body"/>
+          </p:nvPr>
+        </p:nvSpPr>
+        <p:spPr>
+          <a:xfrm>
+            <a:off x="990015" y="2874937"/>
+            <a:ext cx="12420300" cy="6852300"/>
+          </a:xfrm>
+          <a:prstGeom prst="rect">
+            <a:avLst/>
+          </a:prstGeom>
+        </p:spPr>
+        <p:txBody>
+          <a:bodyPr anchorCtr="0" anchor="t" bIns="91425" lIns="91425" rIns="91425" wrap="square" tIns="91425">
+            <a:noAutofit/>
+          </a:bodyPr>
+          <a:lstStyle/>
+          <a:p>
+            <a:pPr lvl="0">
+              <a:spcBef>
+                <a:spcPts val="0"/>
+              </a:spcBef>
+              <a:buClr>
+                <a:schemeClr val="dk1"/>
+              </a:buClr>
+              <a:buSzPct val="25000"/>
+              <a:buFont typeface="Arial"/>
+              <a:buNone/>
+            </a:pPr>
+            <a:r>
+              <a:rPr lang="en-US"/>
+              <a:t>knitr::opts_chunk$set(</a:t>
+            </a:r>
+            <a:br>
+              <a:rPr lang="en-US"/>
+            </a:br>
+            <a:r>
+              <a:rPr lang="en-US"/>
+              <a:t>  echo = FALSE</a:t>
+            </a:r>
+            <a:br>
+              <a:rPr lang="en-US"/>
+            </a:br>
+            <a:r>
+              <a:rPr lang="en-US"/>
+              <a:t>)</a:t>
+            </a:r>
+          </a:p>
+          <a:p>
+            <a:pPr lvl="0">
+              <a:spcBef>
+                <a:spcPts val="0"/>
+              </a:spcBef>
+              <a:buNone/>
+            </a:pPr>
+            <a:r>
+              <a:t/>
+            </a:r>
+            <a:endParaRPr/>
+          </a:p>
+        </p:txBody>
+      </p:sp>
+    </p:spTree>
+  </p:cSld>
+  <p:clrMapOvr>
+    <a:masterClrMapping/>
+  </p:clrMapOvr>
+</p:sld>
+</file>
+
+<file path=ppt/slides/slide13.xml><?xml version="1.0" encoding="utf-8"?>
+<p:sld xmlns:a="http://schemas.openxmlformats.org/drawingml/2006/main" xmlns:r="http://schemas.openxmlformats.org/officeDocument/2006/relationships" xmlns:mc="http://schemas.openxmlformats.org/markup-compatibility/2006" xmlns:mv="urn:schemas-microsoft-com:mac:vml" xmlns:p="http://schemas.openxmlformats.org/presentationml/2006/main" xmlns:c="http://schemas.openxmlformats.org/drawingml/2006/chart" xmlns:dgm="http://schemas.openxmlformats.org/drawingml/2006/diagram" xmlns:o="urn:schemas-microsoft-com:office:office" xmlns:v="urn:schemas-microsoft-com:vml" xmlns:pvml="urn:schemas-microsoft-com:office:powerpoint" xmlns:com="http://schemas.openxmlformats.org/drawingml/2006/compatibility" xmlns:p14="http://schemas.microsoft.com/office/powerpoint/2010/main" xmlns:p15="http://schemas.microsoft.com/office/powerpoint/2012/main">
+  <p:cSld>
+    <p:spTree>
+      <p:nvGrpSpPr>
+        <p:cNvPr id="155" name="Shape 155"/>
+        <p:cNvGrpSpPr/>
+        <p:nvPr/>
+      </p:nvGrpSpPr>
+      <p:grpSpPr>
+        <a:xfrm>
+          <a:off x="0" y="0"/>
+          <a:ext cx="0" cy="0"/>
+          <a:chOff x="0" y="0"/>
+          <a:chExt cx="0" cy="0"/>
+        </a:xfrm>
+      </p:grpSpPr>
+      <p:sp>
+        <p:nvSpPr>
+          <p:cNvPr id="156" name="Shape 156"/>
+          <p:cNvSpPr txBox="1"/>
+          <p:nvPr>
+            <p:ph type="title"/>
+          </p:nvPr>
+        </p:nvSpPr>
+        <p:spPr>
+          <a:xfrm>
+            <a:off x="990015" y="574990"/>
+            <a:ext cx="12420300" cy="2087400"/>
+          </a:xfrm>
+          <a:prstGeom prst="rect">
+            <a:avLst/>
+          </a:prstGeom>
+        </p:spPr>
+        <p:txBody>
+          <a:bodyPr anchorCtr="0" anchor="ctr" bIns="91425" lIns="91425" rIns="91425" wrap="square" tIns="91425">
+            <a:noAutofit/>
+          </a:bodyPr>
+          <a:lstStyle/>
+          <a:p>
+            <a:pPr lvl="0">
+              <a:spcBef>
+                <a:spcPts val="0"/>
+              </a:spcBef>
+              <a:buNone/>
+            </a:pPr>
+            <a:r>
+              <a:rPr lang="en-US"/>
               <a:t>Cache</a:t>
             </a:r>
           </a:p>
@@ -11947,7 +12789,7 @@
       </p:sp>
       <p:sp>
         <p:nvSpPr>
-          <p:cNvPr id="140" name="Shape 140"/>
+          <p:cNvPr id="157" name="Shape 157"/>
           <p:cNvSpPr txBox="1"/>
           <p:nvPr>
             <p:ph idx="1" type="body"/>
@@ -11955,7 +12797,7 @@
         </p:nvSpPr>
         <p:spPr>
           <a:xfrm>
-            <a:off x="990015" y="2874936"/>
+            <a:off x="990015" y="2874937"/>
             <a:ext cx="12420300" cy="6852300"/>
           </a:xfrm>
           <a:prstGeom prst="rect">
@@ -12058,12 +12900,12 @@
 </p:sld>
 </file>
 
-<file path=ppt/slides/slide11.xml><?xml version="1.0" encoding="utf-8"?>
+<file path=ppt/slides/slide14.xml><?xml version="1.0" encoding="utf-8"?>
 <p:sld xmlns:a="http://schemas.openxmlformats.org/drawingml/2006/main" xmlns:r="http://schemas.openxmlformats.org/officeDocument/2006/relationships" xmlns:mc="http://schemas.openxmlformats.org/markup-compatibility/2006" xmlns:mv="urn:schemas-microsoft-com:mac:vml" xmlns:p="http://schemas.openxmlformats.org/presentationml/2006/main" xmlns:c="http://schemas.openxmlformats.org/drawingml/2006/chart" xmlns:dgm="http://schemas.openxmlformats.org/drawingml/2006/diagram" xmlns:o="urn:schemas-microsoft-com:office:office" xmlns:v="urn:schemas-microsoft-com:vml" xmlns:pvml="urn:schemas-microsoft-com:office:powerpoint" xmlns:com="http://schemas.openxmlformats.org/drawingml/2006/compatibility" xmlns:p14="http://schemas.microsoft.com/office/powerpoint/2010/main" xmlns:p15="http://schemas.microsoft.com/office/powerpoint/2012/main">
   <p:cSld>
     <p:spTree>
       <p:nvGrpSpPr>
-        <p:cNvPr id="144" name="Shape 144"/>
+        <p:cNvPr id="161" name="Shape 161"/>
         <p:cNvGrpSpPr/>
         <p:nvPr/>
       </p:nvGrpSpPr>
@@ -12077,7 +12919,7 @@
       </p:grpSpPr>
       <p:sp>
         <p:nvSpPr>
-          <p:cNvPr id="145" name="Shape 145"/>
+          <p:cNvPr id="162" name="Shape 162"/>
           <p:cNvSpPr txBox="1"/>
           <p:nvPr>
             <p:ph type="title"/>
@@ -12085,7 +12927,7 @@
         </p:nvSpPr>
         <p:spPr>
           <a:xfrm>
-            <a:off x="990015" y="574989"/>
+            <a:off x="990015" y="574990"/>
             <a:ext cx="12420300" cy="2087400"/>
           </a:xfrm>
           <a:prstGeom prst="rect">
@@ -12113,7 +12955,7 @@
       </p:sp>
       <p:sp>
         <p:nvSpPr>
-          <p:cNvPr id="146" name="Shape 146"/>
+          <p:cNvPr id="163" name="Shape 163"/>
           <p:cNvSpPr txBox="1"/>
           <p:nvPr>
             <p:ph idx="1" type="body"/>
@@ -12121,7 +12963,7 @@
         </p:nvSpPr>
         <p:spPr>
           <a:xfrm>
-            <a:off x="990015" y="2874936"/>
+            <a:off x="990015" y="2874937"/>
             <a:ext cx="12420300" cy="6852300"/>
           </a:xfrm>
           <a:prstGeom prst="rect">
@@ -12155,12 +12997,12 @@
 </p:sld>
 </file>
 
-<file path=ppt/slides/slide12.xml><?xml version="1.0" encoding="utf-8"?>
+<file path=ppt/slides/slide15.xml><?xml version="1.0" encoding="utf-8"?>
 <p:sld xmlns:a="http://schemas.openxmlformats.org/drawingml/2006/main" xmlns:r="http://schemas.openxmlformats.org/officeDocument/2006/relationships" xmlns:mc="http://schemas.openxmlformats.org/markup-compatibility/2006" xmlns:mv="urn:schemas-microsoft-com:mac:vml" xmlns:p="http://schemas.openxmlformats.org/presentationml/2006/main" xmlns:c="http://schemas.openxmlformats.org/drawingml/2006/chart" xmlns:dgm="http://schemas.openxmlformats.org/drawingml/2006/diagram" xmlns:o="urn:schemas-microsoft-com:office:office" xmlns:v="urn:schemas-microsoft-com:vml" xmlns:pvml="urn:schemas-microsoft-com:office:powerpoint" xmlns:com="http://schemas.openxmlformats.org/drawingml/2006/compatibility" xmlns:p14="http://schemas.microsoft.com/office/powerpoint/2010/main" xmlns:p15="http://schemas.microsoft.com/office/powerpoint/2012/main">
   <p:cSld>
     <p:spTree>
       <p:nvGrpSpPr>
-        <p:cNvPr id="150" name="Shape 150"/>
+        <p:cNvPr id="167" name="Shape 167"/>
         <p:cNvGrpSpPr/>
         <p:nvPr/>
       </p:nvGrpSpPr>
@@ -12174,7 +13016,7 @@
       </p:grpSpPr>
       <p:sp>
         <p:nvSpPr>
-          <p:cNvPr id="151" name="Shape 151"/>
+          <p:cNvPr id="168" name="Shape 168"/>
           <p:cNvSpPr txBox="1"/>
           <p:nvPr>
             <p:ph type="title"/>
@@ -12182,7 +13024,7 @@
         </p:nvSpPr>
         <p:spPr>
           <a:xfrm>
-            <a:off x="990015" y="574989"/>
+            <a:off x="990015" y="574990"/>
             <a:ext cx="12420300" cy="2087400"/>
           </a:xfrm>
           <a:prstGeom prst="rect">
@@ -12203,14 +13045,18 @@
             </a:pPr>
             <a:r>
               <a:rPr lang="en-US"/>
-              <a:t>Hacer graficos</a:t>
+              <a:t>Hacer </a:t>
+            </a:r>
+            <a:r>
+              <a:rPr lang="en-US"/>
+              <a:t>gráficos</a:t>
             </a:r>
           </a:p>
         </p:txBody>
       </p:sp>
       <p:sp>
         <p:nvSpPr>
-          <p:cNvPr id="152" name="Shape 152"/>
+          <p:cNvPr id="169" name="Shape 169"/>
           <p:cNvSpPr txBox="1"/>
           <p:nvPr>
             <p:ph idx="1" type="body"/>
@@ -12218,7 +13064,7 @@
         </p:nvSpPr>
         <p:spPr>
           <a:xfrm>
-            <a:off x="990015" y="2874936"/>
+            <a:off x="990015" y="2874937"/>
             <a:ext cx="12420300" cy="6852300"/>
           </a:xfrm>
           <a:prstGeom prst="rect">
@@ -12300,12 +13146,12 @@
 </p:sld>
 </file>
 
-<file path=ppt/slides/slide13.xml><?xml version="1.0" encoding="utf-8"?>
+<file path=ppt/slides/slide16.xml><?xml version="1.0" encoding="utf-8"?>
 <p:sld xmlns:a="http://schemas.openxmlformats.org/drawingml/2006/main" xmlns:r="http://schemas.openxmlformats.org/officeDocument/2006/relationships" xmlns:mc="http://schemas.openxmlformats.org/markup-compatibility/2006" xmlns:mv="urn:schemas-microsoft-com:mac:vml" xmlns:p="http://schemas.openxmlformats.org/presentationml/2006/main" xmlns:c="http://schemas.openxmlformats.org/drawingml/2006/chart" xmlns:dgm="http://schemas.openxmlformats.org/drawingml/2006/diagram" xmlns:o="urn:schemas-microsoft-com:office:office" xmlns:v="urn:schemas-microsoft-com:vml" xmlns:pvml="urn:schemas-microsoft-com:office:powerpoint" xmlns:com="http://schemas.openxmlformats.org/drawingml/2006/compatibility" xmlns:p14="http://schemas.microsoft.com/office/powerpoint/2010/main" xmlns:p15="http://schemas.microsoft.com/office/powerpoint/2012/main">
   <p:cSld>
     <p:spTree>
       <p:nvGrpSpPr>
-        <p:cNvPr id="156" name="Shape 156"/>
+        <p:cNvPr id="173" name="Shape 173"/>
         <p:cNvGrpSpPr/>
         <p:nvPr/>
       </p:nvGrpSpPr>
@@ -12319,7 +13165,7 @@
       </p:grpSpPr>
       <p:sp>
         <p:nvSpPr>
-          <p:cNvPr id="157" name="Shape 157"/>
+          <p:cNvPr id="174" name="Shape 174"/>
           <p:cNvSpPr txBox="1"/>
           <p:nvPr>
             <p:ph type="title"/>
@@ -12327,7 +13173,7 @@
         </p:nvSpPr>
         <p:spPr>
           <a:xfrm>
-            <a:off x="990015" y="574989"/>
+            <a:off x="990015" y="574990"/>
             <a:ext cx="12420300" cy="2087400"/>
           </a:xfrm>
           <a:prstGeom prst="rect">
@@ -12360,7 +13206,7 @@
       </p:sp>
       <p:sp>
         <p:nvSpPr>
-          <p:cNvPr id="158" name="Shape 158"/>
+          <p:cNvPr id="175" name="Shape 175"/>
           <p:cNvSpPr txBox="1"/>
           <p:nvPr>
             <p:ph idx="1" type="body"/>
@@ -12368,7 +13214,7 @@
         </p:nvSpPr>
         <p:spPr>
           <a:xfrm>
-            <a:off x="990015" y="2874936"/>
+            <a:off x="990015" y="2874937"/>
             <a:ext cx="12420300" cy="6852300"/>
           </a:xfrm>
           <a:prstGeom prst="rect">
@@ -12458,12 +13304,12 @@
 </p:sld>
 </file>
 
-<file path=ppt/slides/slide2.xml><?xml version="1.0" encoding="utf-8"?>
+<file path=ppt/slides/slide17.xml><?xml version="1.0" encoding="utf-8"?>
 <p:sld xmlns:a="http://schemas.openxmlformats.org/drawingml/2006/main" xmlns:r="http://schemas.openxmlformats.org/officeDocument/2006/relationships" xmlns:mc="http://schemas.openxmlformats.org/markup-compatibility/2006" xmlns:mv="urn:schemas-microsoft-com:mac:vml" xmlns:p="http://schemas.openxmlformats.org/presentationml/2006/main" xmlns:c="http://schemas.openxmlformats.org/drawingml/2006/chart" xmlns:dgm="http://schemas.openxmlformats.org/drawingml/2006/diagram" xmlns:o="urn:schemas-microsoft-com:office:office" xmlns:v="urn:schemas-microsoft-com:vml" xmlns:pvml="urn:schemas-microsoft-com:office:powerpoint" xmlns:com="http://schemas.openxmlformats.org/drawingml/2006/compatibility" xmlns:p14="http://schemas.microsoft.com/office/powerpoint/2010/main" xmlns:p15="http://schemas.microsoft.com/office/powerpoint/2012/main">
   <p:cSld>
     <p:spTree>
       <p:nvGrpSpPr>
-        <p:cNvPr id="90" name="Shape 90"/>
+        <p:cNvPr id="179" name="Shape 179"/>
         <p:cNvGrpSpPr/>
         <p:nvPr/>
       </p:nvGrpSpPr>
@@ -12477,7 +13323,7 @@
       </p:grpSpPr>
       <p:sp>
         <p:nvSpPr>
-          <p:cNvPr id="91" name="Shape 91"/>
+          <p:cNvPr id="180" name="Shape 180"/>
           <p:cNvSpPr txBox="1"/>
           <p:nvPr>
             <p:ph type="title"/>
@@ -12485,7 +13331,7 @@
         </p:nvSpPr>
         <p:spPr>
           <a:xfrm>
-            <a:off x="990015" y="574989"/>
+            <a:off x="990015" y="574990"/>
             <a:ext cx="12420300" cy="2087400"/>
           </a:xfrm>
           <a:prstGeom prst="rect">
@@ -12506,6 +13352,268 @@
             </a:pPr>
             <a:r>
               <a:rPr lang="en-US"/>
+              <a:t>Compartir</a:t>
+            </a:r>
+          </a:p>
+        </p:txBody>
+      </p:sp>
+      <p:sp>
+        <p:nvSpPr>
+          <p:cNvPr id="181" name="Shape 181"/>
+          <p:cNvSpPr txBox="1"/>
+          <p:nvPr>
+            <p:ph idx="1" type="body"/>
+          </p:nvPr>
+        </p:nvSpPr>
+        <p:spPr>
+          <a:xfrm>
+            <a:off x="990015" y="2874937"/>
+            <a:ext cx="12420300" cy="6852300"/>
+          </a:xfrm>
+          <a:prstGeom prst="rect">
+            <a:avLst/>
+          </a:prstGeom>
+        </p:spPr>
+        <p:txBody>
+          <a:bodyPr anchorCtr="0" anchor="t" bIns="91425" lIns="91425" rIns="91425" wrap="square" tIns="91425">
+            <a:noAutofit/>
+          </a:bodyPr>
+          <a:lstStyle/>
+          <a:p>
+            <a:pPr lvl="0">
+              <a:spcBef>
+                <a:spcPts val="0"/>
+              </a:spcBef>
+              <a:buNone/>
+            </a:pPr>
+            <a:r>
+              <a:rPr lang="en-US"/>
+              <a:t>.html			→ solo resultados</a:t>
+            </a:r>
+          </a:p>
+          <a:p>
+            <a:pPr lvl="0">
+              <a:spcBef>
+                <a:spcPts val="0"/>
+              </a:spcBef>
+              <a:buNone/>
+            </a:pPr>
+            <a:r>
+              <a:rPr lang="en-US"/>
+              <a:t>.nd.html 	→ resultados y R code</a:t>
+            </a:r>
+          </a:p>
+          <a:p>
+            <a:pPr lvl="0">
+              <a:spcBef>
+                <a:spcPts val="0"/>
+              </a:spcBef>
+              <a:buNone/>
+            </a:pPr>
+            <a:r>
+              <a:rPr lang="en-US"/>
+              <a:t>.Rmd			→ solo R code</a:t>
+            </a:r>
+          </a:p>
+        </p:txBody>
+      </p:sp>
+    </p:spTree>
+  </p:cSld>
+  <p:clrMapOvr>
+    <a:masterClrMapping/>
+  </p:clrMapOvr>
+</p:sld>
+</file>
+
+<file path=ppt/slides/slide18.xml><?xml version="1.0" encoding="utf-8"?>
+<p:sld xmlns:a="http://schemas.openxmlformats.org/drawingml/2006/main" xmlns:r="http://schemas.openxmlformats.org/officeDocument/2006/relationships" xmlns:mc="http://schemas.openxmlformats.org/markup-compatibility/2006" xmlns:mv="urn:schemas-microsoft-com:mac:vml" xmlns:p="http://schemas.openxmlformats.org/presentationml/2006/main" xmlns:c="http://schemas.openxmlformats.org/drawingml/2006/chart" xmlns:dgm="http://schemas.openxmlformats.org/drawingml/2006/diagram" xmlns:o="urn:schemas-microsoft-com:office:office" xmlns:v="urn:schemas-microsoft-com:vml" xmlns:pvml="urn:schemas-microsoft-com:office:powerpoint" xmlns:com="http://schemas.openxmlformats.org/drawingml/2006/compatibility" xmlns:p14="http://schemas.microsoft.com/office/powerpoint/2010/main" xmlns:p15="http://schemas.microsoft.com/office/powerpoint/2012/main">
+  <p:cSld>
+    <p:spTree>
+      <p:nvGrpSpPr>
+        <p:cNvPr id="185" name="Shape 185"/>
+        <p:cNvGrpSpPr/>
+        <p:nvPr/>
+      </p:nvGrpSpPr>
+      <p:grpSpPr>
+        <a:xfrm>
+          <a:off x="0" y="0"/>
+          <a:ext cx="0" cy="0"/>
+          <a:chOff x="0" y="0"/>
+          <a:chExt cx="0" cy="0"/>
+        </a:xfrm>
+      </p:grpSpPr>
+      <p:sp>
+        <p:nvSpPr>
+          <p:cNvPr id="186" name="Shape 186"/>
+          <p:cNvSpPr txBox="1"/>
+          <p:nvPr>
+            <p:ph type="title"/>
+          </p:nvPr>
+        </p:nvSpPr>
+        <p:spPr>
+          <a:xfrm>
+            <a:off x="990015" y="574990"/>
+            <a:ext cx="12420300" cy="2087400"/>
+          </a:xfrm>
+          <a:prstGeom prst="rect">
+            <a:avLst/>
+          </a:prstGeom>
+        </p:spPr>
+        <p:txBody>
+          <a:bodyPr anchorCtr="0" anchor="ctr" bIns="91425" lIns="91425" rIns="91425" wrap="square" tIns="91425">
+            <a:noAutofit/>
+          </a:bodyPr>
+          <a:lstStyle/>
+          <a:p>
+            <a:pPr lvl="0">
+              <a:spcBef>
+                <a:spcPts val="0"/>
+              </a:spcBef>
+              <a:buNone/>
+            </a:pPr>
+            <a:r>
+              <a:rPr lang="en-US"/>
+              <a:t>Erjercisio</a:t>
+            </a:r>
+          </a:p>
+        </p:txBody>
+      </p:sp>
+      <p:sp>
+        <p:nvSpPr>
+          <p:cNvPr id="187" name="Shape 187"/>
+          <p:cNvSpPr txBox="1"/>
+          <p:nvPr>
+            <p:ph idx="1" type="body"/>
+          </p:nvPr>
+        </p:nvSpPr>
+        <p:spPr>
+          <a:xfrm>
+            <a:off x="990015" y="2874937"/>
+            <a:ext cx="12420300" cy="6852300"/>
+          </a:xfrm>
+          <a:prstGeom prst="rect">
+            <a:avLst/>
+          </a:prstGeom>
+        </p:spPr>
+        <p:txBody>
+          <a:bodyPr anchorCtr="0" anchor="t" bIns="91425" lIns="91425" rIns="91425" wrap="square" tIns="91425">
+            <a:noAutofit/>
+          </a:bodyPr>
+          <a:lstStyle/>
+          <a:p>
+            <a:pPr indent="-228600" lvl="0" marL="457200" rtl="0">
+              <a:spcBef>
+                <a:spcPts val="0"/>
+              </a:spcBef>
+              <a:buChar char="-"/>
+            </a:pPr>
+            <a:r>
+              <a:rPr lang="en-US"/>
+              <a:t>- elegir un base de datos</a:t>
+            </a:r>
+          </a:p>
+          <a:p>
+            <a:pPr indent="-228600" lvl="0" marL="457200" rtl="0">
+              <a:spcBef>
+                <a:spcPts val="0"/>
+              </a:spcBef>
+              <a:buChar char="-"/>
+            </a:pPr>
+            <a:r>
+              <a:rPr lang="en-US"/>
+              <a:t>- presentar algunas graphicos interesante y explique porque</a:t>
+            </a:r>
+          </a:p>
+          <a:p>
+            <a:pPr indent="-228600" lvl="0" marL="457200" rtl="0">
+              <a:spcBef>
+                <a:spcPts val="0"/>
+              </a:spcBef>
+              <a:buChar char="-"/>
+            </a:pPr>
+            <a:r>
+              <a:rPr lang="en-US"/>
+              <a:t>- hacer un modelo</a:t>
+            </a:r>
+          </a:p>
+          <a:p>
+            <a:pPr indent="-228600" lvl="0" marL="457200">
+              <a:spcBef>
+                <a:spcPts val="0"/>
+              </a:spcBef>
+              <a:buChar char="-"/>
+            </a:pPr>
+            <a:r>
+              <a:rPr lang="en-US"/>
+              <a:t>- presentar los </a:t>
+            </a:r>
+            <a:r>
+              <a:rPr lang="en-US"/>
+              <a:t>resultados</a:t>
+            </a:r>
+            <a:r>
+              <a:rPr lang="en-US"/>
+              <a:t> de el modelo </a:t>
+            </a:r>
+          </a:p>
+        </p:txBody>
+      </p:sp>
+    </p:spTree>
+  </p:cSld>
+  <p:clrMapOvr>
+    <a:masterClrMapping/>
+  </p:clrMapOvr>
+</p:sld>
+</file>
+
+<file path=ppt/slides/slide2.xml><?xml version="1.0" encoding="utf-8"?>
+<p:sld xmlns:a="http://schemas.openxmlformats.org/drawingml/2006/main" xmlns:r="http://schemas.openxmlformats.org/officeDocument/2006/relationships" xmlns:mc="http://schemas.openxmlformats.org/markup-compatibility/2006" xmlns:mv="urn:schemas-microsoft-com:mac:vml" xmlns:p="http://schemas.openxmlformats.org/presentationml/2006/main" xmlns:c="http://schemas.openxmlformats.org/drawingml/2006/chart" xmlns:dgm="http://schemas.openxmlformats.org/drawingml/2006/diagram" xmlns:o="urn:schemas-microsoft-com:office:office" xmlns:v="urn:schemas-microsoft-com:vml" xmlns:pvml="urn:schemas-microsoft-com:office:powerpoint" xmlns:com="http://schemas.openxmlformats.org/drawingml/2006/compatibility" xmlns:p14="http://schemas.microsoft.com/office/powerpoint/2010/main" xmlns:p15="http://schemas.microsoft.com/office/powerpoint/2012/main">
+  <p:cSld>
+    <p:spTree>
+      <p:nvGrpSpPr>
+        <p:cNvPr id="89" name="Shape 89"/>
+        <p:cNvGrpSpPr/>
+        <p:nvPr/>
+      </p:nvGrpSpPr>
+      <p:grpSpPr>
+        <a:xfrm>
+          <a:off x="0" y="0"/>
+          <a:ext cx="0" cy="0"/>
+          <a:chOff x="0" y="0"/>
+          <a:chExt cx="0" cy="0"/>
+        </a:xfrm>
+      </p:grpSpPr>
+      <p:sp>
+        <p:nvSpPr>
+          <p:cNvPr id="90" name="Shape 90"/>
+          <p:cNvSpPr txBox="1"/>
+          <p:nvPr>
+            <p:ph type="title"/>
+          </p:nvPr>
+        </p:nvSpPr>
+        <p:spPr>
+          <a:xfrm>
+            <a:off x="990015" y="574990"/>
+            <a:ext cx="12420300" cy="2087400"/>
+          </a:xfrm>
+          <a:prstGeom prst="rect">
+            <a:avLst/>
+          </a:prstGeom>
+        </p:spPr>
+        <p:txBody>
+          <a:bodyPr anchorCtr="0" anchor="ctr" bIns="91425" lIns="91425" rIns="91425" wrap="square" tIns="91425">
+            <a:noAutofit/>
+          </a:bodyPr>
+          <a:lstStyle/>
+          <a:p>
+            <a:pPr lvl="0">
+              <a:spcBef>
+                <a:spcPts val="0"/>
+              </a:spcBef>
+              <a:buNone/>
+            </a:pPr>
+            <a:r>
+              <a:rPr lang="en-US"/>
               <a:t>Manera de trabajar</a:t>
             </a:r>
           </a:p>
@@ -12513,7 +13621,7 @@
       </p:sp>
       <p:sp>
         <p:nvSpPr>
-          <p:cNvPr id="92" name="Shape 92"/>
+          <p:cNvPr id="91" name="Shape 91"/>
           <p:cNvSpPr txBox="1"/>
           <p:nvPr>
             <p:ph idx="1" type="body"/>
@@ -12521,7 +13629,7 @@
         </p:nvSpPr>
         <p:spPr>
           <a:xfrm>
-            <a:off x="990015" y="2874936"/>
+            <a:off x="990015" y="2874937"/>
             <a:ext cx="12420300" cy="6852300"/>
           </a:xfrm>
           <a:prstGeom prst="rect">
@@ -12616,7 +13724,7 @@
   <p:cSld>
     <p:spTree>
       <p:nvGrpSpPr>
-        <p:cNvPr id="96" name="Shape 96"/>
+        <p:cNvPr id="95" name="Shape 95"/>
         <p:cNvGrpSpPr/>
         <p:nvPr/>
       </p:nvGrpSpPr>
@@ -12630,7 +13738,7 @@
       </p:grpSpPr>
       <p:sp>
         <p:nvSpPr>
-          <p:cNvPr id="97" name="Shape 97"/>
+          <p:cNvPr id="96" name="Shape 96"/>
           <p:cNvSpPr txBox="1"/>
           <p:nvPr>
             <p:ph type="title"/>
@@ -12638,7 +13746,7 @@
         </p:nvSpPr>
         <p:spPr>
           <a:xfrm>
-            <a:off x="990015" y="574989"/>
+            <a:off x="990015" y="574990"/>
             <a:ext cx="12420300" cy="2087400"/>
           </a:xfrm>
           <a:prstGeom prst="rect">
@@ -12671,7 +13779,7 @@
       </p:sp>
       <p:sp>
         <p:nvSpPr>
-          <p:cNvPr id="98" name="Shape 98"/>
+          <p:cNvPr id="97" name="Shape 97"/>
           <p:cNvSpPr txBox="1"/>
           <p:nvPr>
             <p:ph idx="1" type="body"/>
@@ -12679,7 +13787,7 @@
         </p:nvSpPr>
         <p:spPr>
           <a:xfrm>
-            <a:off x="990015" y="2874936"/>
+            <a:off x="990015" y="2874937"/>
             <a:ext cx="12420300" cy="6852300"/>
           </a:xfrm>
           <a:prstGeom prst="rect">
@@ -12758,7 +13866,7 @@
   <p:cSld>
     <p:spTree>
       <p:nvGrpSpPr>
-        <p:cNvPr id="102" name="Shape 102"/>
+        <p:cNvPr id="101" name="Shape 101"/>
         <p:cNvGrpSpPr/>
         <p:nvPr/>
       </p:nvGrpSpPr>
@@ -12772,7 +13880,7 @@
       </p:grpSpPr>
       <p:sp>
         <p:nvSpPr>
-          <p:cNvPr id="103" name="Shape 103"/>
+          <p:cNvPr id="102" name="Shape 102"/>
           <p:cNvSpPr txBox="1"/>
           <p:nvPr>
             <p:ph type="title"/>
@@ -12780,7 +13888,7 @@
         </p:nvSpPr>
         <p:spPr>
           <a:xfrm>
-            <a:off x="990015" y="574989"/>
+            <a:off x="990015" y="574990"/>
             <a:ext cx="12420300" cy="2087400"/>
           </a:xfrm>
           <a:prstGeom prst="rect">
@@ -12808,7 +13916,7 @@
       </p:sp>
       <p:sp>
         <p:nvSpPr>
-          <p:cNvPr id="104" name="Shape 104"/>
+          <p:cNvPr id="103" name="Shape 103"/>
           <p:cNvSpPr txBox="1"/>
           <p:nvPr>
             <p:ph idx="1" type="body"/>
@@ -12816,7 +13924,7 @@
         </p:nvSpPr>
         <p:spPr>
           <a:xfrm>
-            <a:off x="990015" y="2874936"/>
+            <a:off x="990015" y="2874937"/>
             <a:ext cx="12420300" cy="6852300"/>
           </a:xfrm>
           <a:prstGeom prst="rect">
@@ -12865,7 +13973,7 @@
             </a:pPr>
             <a:r>
               <a:rPr lang="en-US"/>
-              <a:t>- La presentacion en el mismo archivo</a:t>
+              <a:t>- La presentación en el mismo archivo</a:t>
             </a:r>
           </a:p>
           <a:p>
@@ -12895,7 +14003,7 @@
   <p:cSld>
     <p:spTree>
       <p:nvGrpSpPr>
-        <p:cNvPr id="108" name="Shape 108"/>
+        <p:cNvPr id="107" name="Shape 107"/>
         <p:cNvGrpSpPr/>
         <p:nvPr/>
       </p:nvGrpSpPr>
@@ -12909,7 +14017,7 @@
       </p:grpSpPr>
       <p:sp>
         <p:nvSpPr>
-          <p:cNvPr id="109" name="Shape 109"/>
+          <p:cNvPr id="108" name="Shape 108"/>
           <p:cNvSpPr txBox="1"/>
           <p:nvPr>
             <p:ph type="title"/>
@@ -12917,7 +14025,7 @@
         </p:nvSpPr>
         <p:spPr>
           <a:xfrm>
-            <a:off x="990015" y="574989"/>
+            <a:off x="990015" y="574990"/>
             <a:ext cx="12420300" cy="2087400"/>
           </a:xfrm>
           <a:prstGeom prst="rect">
@@ -12945,7 +14053,7 @@
       </p:sp>
       <p:sp>
         <p:nvSpPr>
-          <p:cNvPr id="110" name="Shape 110"/>
+          <p:cNvPr id="109" name="Shape 109"/>
           <p:cNvSpPr txBox="1"/>
           <p:nvPr>
             <p:ph idx="1" type="body"/>
@@ -12953,7 +14061,7 @@
         </p:nvSpPr>
         <p:spPr>
           <a:xfrm>
-            <a:off x="990015" y="2874936"/>
+            <a:off x="990015" y="2874937"/>
             <a:ext cx="12420300" cy="6852300"/>
           </a:xfrm>
           <a:prstGeom prst="rect">
@@ -13090,7 +14198,7 @@
   <p:cSld>
     <p:spTree>
       <p:nvGrpSpPr>
-        <p:cNvPr id="114" name="Shape 114"/>
+        <p:cNvPr id="113" name="Shape 113"/>
         <p:cNvGrpSpPr/>
         <p:nvPr/>
       </p:nvGrpSpPr>
@@ -13104,7 +14212,7 @@
       </p:grpSpPr>
       <p:sp>
         <p:nvSpPr>
-          <p:cNvPr id="115" name="Shape 115"/>
+          <p:cNvPr id="114" name="Shape 114"/>
           <p:cNvSpPr txBox="1"/>
           <p:nvPr>
             <p:ph type="title"/>
@@ -13112,7 +14220,7 @@
         </p:nvSpPr>
         <p:spPr>
           <a:xfrm>
-            <a:off x="990015" y="574989"/>
+            <a:off x="990015" y="574990"/>
             <a:ext cx="12420300" cy="2087400"/>
           </a:xfrm>
           <a:prstGeom prst="rect">
@@ -13140,7 +14248,7 @@
       </p:sp>
       <p:sp>
         <p:nvSpPr>
-          <p:cNvPr id="116" name="Shape 116"/>
+          <p:cNvPr id="115" name="Shape 115"/>
           <p:cNvSpPr txBox="1"/>
           <p:nvPr>
             <p:ph idx="1" type="body"/>
@@ -13148,7 +14256,7 @@
         </p:nvSpPr>
         <p:spPr>
           <a:xfrm>
-            <a:off x="990015" y="2874936"/>
+            <a:off x="990015" y="2874937"/>
             <a:ext cx="12420300" cy="6852300"/>
           </a:xfrm>
           <a:prstGeom prst="rect">
@@ -13228,7 +14336,7 @@
   <p:cSld>
     <p:spTree>
       <p:nvGrpSpPr>
-        <p:cNvPr id="120" name="Shape 120"/>
+        <p:cNvPr id="119" name="Shape 119"/>
         <p:cNvGrpSpPr/>
         <p:nvPr/>
       </p:nvGrpSpPr>
@@ -13242,7 +14350,7 @@
       </p:grpSpPr>
       <p:sp>
         <p:nvSpPr>
-          <p:cNvPr id="121" name="Shape 121"/>
+          <p:cNvPr id="120" name="Shape 120"/>
           <p:cNvSpPr txBox="1"/>
           <p:nvPr>
             <p:ph type="title"/>
@@ -13250,7 +14358,7 @@
         </p:nvSpPr>
         <p:spPr>
           <a:xfrm>
-            <a:off x="990015" y="574989"/>
+            <a:off x="990015" y="574990"/>
             <a:ext cx="12420300" cy="2087400"/>
           </a:xfrm>
           <a:prstGeom prst="rect">
@@ -13278,7 +14386,7 @@
       </p:sp>
       <p:sp>
         <p:nvSpPr>
-          <p:cNvPr id="122" name="Shape 122"/>
+          <p:cNvPr id="121" name="Shape 121"/>
           <p:cNvSpPr txBox="1"/>
           <p:nvPr>
             <p:ph idx="1" type="body"/>
@@ -13286,7 +14394,7 @@
         </p:nvSpPr>
         <p:spPr>
           <a:xfrm>
-            <a:off x="990015" y="2874936"/>
+            <a:off x="990015" y="2874937"/>
             <a:ext cx="12420300" cy="6852300"/>
           </a:xfrm>
           <a:prstGeom prst="rect">
@@ -13431,7 +14539,7 @@
   <p:cSld>
     <p:spTree>
       <p:nvGrpSpPr>
-        <p:cNvPr id="126" name="Shape 126"/>
+        <p:cNvPr id="125" name="Shape 125"/>
         <p:cNvGrpSpPr/>
         <p:nvPr/>
       </p:nvGrpSpPr>
@@ -13445,7 +14553,7 @@
       </p:grpSpPr>
       <p:sp>
         <p:nvSpPr>
-          <p:cNvPr id="127" name="Shape 127"/>
+          <p:cNvPr id="126" name="Shape 126"/>
           <p:cNvSpPr txBox="1"/>
           <p:nvPr>
             <p:ph type="title"/>
@@ -13453,7 +14561,7 @@
         </p:nvSpPr>
         <p:spPr>
           <a:xfrm>
-            <a:off x="990015" y="574989"/>
+            <a:off x="990015" y="574990"/>
             <a:ext cx="12420300" cy="2087400"/>
           </a:xfrm>
           <a:prstGeom prst="rect">
@@ -13474,14 +14582,14 @@
             </a:pPr>
             <a:r>
               <a:rPr lang="en-US"/>
-              <a:t>Code Chunks</a:t>
+              <a:t>markdown - heading</a:t>
             </a:r>
           </a:p>
         </p:txBody>
       </p:sp>
       <p:sp>
         <p:nvSpPr>
-          <p:cNvPr id="128" name="Shape 128"/>
+          <p:cNvPr id="127" name="Shape 127"/>
           <p:cNvSpPr txBox="1"/>
           <p:nvPr>
             <p:ph idx="1" type="body"/>
@@ -13489,7 +14597,7 @@
         </p:nvSpPr>
         <p:spPr>
           <a:xfrm>
-            <a:off x="990015" y="2874936"/>
+            <a:off x="990015" y="2874937"/>
             <a:ext cx="12420300" cy="6852300"/>
           </a:xfrm>
           <a:prstGeom prst="rect">
@@ -13506,35 +14614,36 @@
               <a:spcBef>
                 <a:spcPts val="0"/>
               </a:spcBef>
+              <a:buClr>
+                <a:schemeClr val="dk1"/>
+              </a:buClr>
+              <a:buSzPct val="25000"/>
+              <a:buFont typeface="Arial"/>
               <a:buNone/>
             </a:pPr>
             <a:r>
               <a:rPr lang="en-US"/>
-              <a:t>chunck ```{r} ```</a:t>
+              <a:t># Heading</a:t>
             </a:r>
-          </a:p>
-          <a:p>
-            <a:pPr lvl="0">
-              <a:spcBef>
-                <a:spcPts val="0"/>
-              </a:spcBef>
-              <a:buNone/>
-            </a:pPr>
+            <a:br>
+              <a:rPr lang="en-US"/>
+            </a:br>
+            <a:br>
+              <a:rPr lang="en-US"/>
+            </a:br>
             <a:r>
               <a:rPr lang="en-US"/>
-              <a:t>nombre de un chunck</a:t>
+              <a:t>## Sub-heading</a:t>
             </a:r>
-          </a:p>
-          <a:p>
-            <a:pPr lvl="0">
-              <a:spcBef>
-                <a:spcPts val="0"/>
-              </a:spcBef>
-              <a:buNone/>
-            </a:pPr>
+            <a:br>
+              <a:rPr lang="en-US"/>
+            </a:br>
+            <a:br>
+              <a:rPr lang="en-US"/>
+            </a:br>
             <a:r>
               <a:rPr lang="en-US"/>
-              <a:t>special: setup</a:t>
+              <a:t>### Another deeper heading</a:t>
             </a:r>
           </a:p>
           <a:p>
@@ -13548,58 +14657,6 @@
               <a:t/>
             </a:r>
             <a:endParaRPr/>
-          </a:p>
-          <a:p>
-            <a:pPr lvl="0">
-              <a:spcBef>
-                <a:spcPts val="0"/>
-              </a:spcBef>
-              <a:buNone/>
-            </a:pPr>
-            <a:r>
-              <a:rPr lang="en-US"/>
-              <a:t>opciones:</a:t>
-            </a:r>
-          </a:p>
-          <a:p>
-            <a:pPr lvl="0">
-              <a:spcBef>
-                <a:spcPts val="0"/>
-              </a:spcBef>
-              <a:buNone/>
-            </a:pPr>
-            <a:r>
-              <a:rPr lang="en-US"/>
-              <a:t>cache, include, echo</a:t>
-            </a:r>
-          </a:p>
-          <a:p>
-            <a:pPr lvl="0">
-              <a:spcBef>
-                <a:spcPts val="0"/>
-              </a:spcBef>
-              <a:buNone/>
-            </a:pPr>
-            <a:r>
-              <a:t/>
-            </a:r>
-            <a:endParaRPr/>
-          </a:p>
-          <a:p>
-            <a:pPr lvl="0">
-              <a:spcBef>
-                <a:spcPts val="0"/>
-              </a:spcBef>
-              <a:buNone/>
-            </a:pPr>
-            <a:r>
-              <a:rPr lang="en-US"/>
-              <a:t>inline </a:t>
-            </a:r>
-            <a:r>
-              <a:rPr lang="en-US"/>
-              <a:t>`r `</a:t>
-            </a:r>
           </a:p>
         </p:txBody>
       </p:sp>
@@ -13616,7 +14673,7 @@
   <p:cSld>
     <p:spTree>
       <p:nvGrpSpPr>
-        <p:cNvPr id="132" name="Shape 132"/>
+        <p:cNvPr id="131" name="Shape 131"/>
         <p:cNvGrpSpPr/>
         <p:nvPr/>
       </p:nvGrpSpPr>
@@ -13630,7 +14687,7 @@
       </p:grpSpPr>
       <p:sp>
         <p:nvSpPr>
-          <p:cNvPr id="133" name="Shape 133"/>
+          <p:cNvPr id="132" name="Shape 132"/>
           <p:cNvSpPr txBox="1"/>
           <p:nvPr>
             <p:ph type="title"/>
@@ -13638,7 +14695,7 @@
         </p:nvSpPr>
         <p:spPr>
           <a:xfrm>
-            <a:off x="990015" y="574989"/>
+            <a:off x="990015" y="574990"/>
             <a:ext cx="12420300" cy="2087400"/>
           </a:xfrm>
           <a:prstGeom prst="rect">
@@ -13659,14 +14716,14 @@
             </a:pPr>
             <a:r>
               <a:rPr lang="en-US"/>
-              <a:t>Global opciones</a:t>
+              <a:t>markdown - lists</a:t>
             </a:r>
           </a:p>
         </p:txBody>
       </p:sp>
       <p:sp>
         <p:nvSpPr>
-          <p:cNvPr id="134" name="Shape 134"/>
+          <p:cNvPr id="133" name="Shape 133"/>
           <p:cNvSpPr txBox="1"/>
           <p:nvPr>
             <p:ph idx="1" type="body"/>
@@ -13674,7 +14731,7 @@
         </p:nvSpPr>
         <p:spPr>
           <a:xfrm>
-            <a:off x="990015" y="2874936"/>
+            <a:off x="990015" y="2874937"/>
             <a:ext cx="12420300" cy="6852300"/>
           </a:xfrm>
           <a:prstGeom prst="rect">
@@ -13687,34 +14744,77 @@
           </a:bodyPr>
           <a:lstStyle/>
           <a:p>
-            <a:pPr lvl="0">
-              <a:spcBef>
-                <a:spcPts val="0"/>
-              </a:spcBef>
-              <a:buClr>
-                <a:schemeClr val="dk1"/>
-              </a:buClr>
-              <a:buSzPct val="25000"/>
-              <a:buFont typeface="Arial"/>
+            <a:pPr indent="0" lvl="0" marL="0" rtl="0">
+              <a:spcBef>
+                <a:spcPts val="0"/>
+              </a:spcBef>
               <a:buNone/>
             </a:pPr>
             <a:r>
               <a:rPr lang="en-US"/>
-              <a:t>knitr::opts_chunk$set(</a:t>
+              <a:t>* apples</a:t>
             </a:r>
             <a:br>
               <a:rPr lang="en-US"/>
             </a:br>
             <a:r>
               <a:rPr lang="en-US"/>
-              <a:t>  echo = FALSE</a:t>
+              <a:t>* oranges</a:t>
             </a:r>
             <a:br>
               <a:rPr lang="en-US"/>
             </a:br>
             <a:r>
               <a:rPr lang="en-US"/>
-              <a:t>)</a:t>
+              <a:t>* pears</a:t>
+            </a:r>
+          </a:p>
+          <a:p>
+            <a:pPr indent="0" lvl="0" marL="0" rtl="0">
+              <a:spcBef>
+                <a:spcPts val="0"/>
+              </a:spcBef>
+              <a:buNone/>
+            </a:pPr>
+            <a:r>
+              <a:t/>
+            </a:r>
+            <a:endParaRPr/>
+          </a:p>
+          <a:p>
+            <a:pPr indent="0" lvl="0" marL="0" rtl="0">
+              <a:spcBef>
+                <a:spcPts val="0"/>
+              </a:spcBef>
+              <a:buNone/>
+            </a:pPr>
+            <a:r>
+              <a:rPr lang="en-US"/>
+              <a:t>1. apples</a:t>
+            </a:r>
+          </a:p>
+          <a:p>
+            <a:pPr indent="0" lvl="0" marL="0" rtl="0">
+              <a:spcBef>
+                <a:spcPts val="0"/>
+              </a:spcBef>
+              <a:buNone/>
+            </a:pPr>
+            <a:r>
+              <a:rPr lang="en-US"/>
+              <a:t>1. oranges</a:t>
+            </a:r>
+          </a:p>
+          <a:p>
+            <a:pPr indent="0" lvl="0" marL="0">
+              <a:spcBef>
+                <a:spcPts val="0"/>
+              </a:spcBef>
+              <a:buNone/>
+            </a:pPr>
+            <a:r>
+              <a:rPr lang="en-US"/>
+              <a:t>1. pears</a:t>
             </a:r>
           </a:p>
           <a:p>
